--- a/FACIA-Presentation.pptx
+++ b/FACIA-Presentation.pptx
@@ -5,17 +5,16 @@
     <p:sldMasterId id="2147483648" r:id="rId1"/>
   </p:sldMasterIdLst>
   <p:notesMasterIdLst>
-    <p:notesMasterId r:id="rId10"/>
+    <p:notesMasterId r:id="rId9"/>
   </p:notesMasterIdLst>
   <p:sldIdLst>
     <p:sldId id="256" r:id="rId2"/>
     <p:sldId id="257" r:id="rId3"/>
-    <p:sldId id="258" r:id="rId4"/>
-    <p:sldId id="261" r:id="rId5"/>
-    <p:sldId id="262" r:id="rId6"/>
-    <p:sldId id="260" r:id="rId7"/>
-    <p:sldId id="263" r:id="rId8"/>
-    <p:sldId id="264" r:id="rId9"/>
+    <p:sldId id="261" r:id="rId4"/>
+    <p:sldId id="262" r:id="rId5"/>
+    <p:sldId id="260" r:id="rId6"/>
+    <p:sldId id="263" r:id="rId7"/>
+    <p:sldId id="264" r:id="rId8"/>
   </p:sldIdLst>
   <p:sldSz cx="12192000" cy="6858000"/>
   <p:notesSz cx="6858000" cy="9144000"/>
@@ -204,7 +203,7 @@
           <a:p>
             <a:fld id="{5960E34B-F5C8-1548-B202-64A8C05AD27A}" type="datetimeFigureOut">
               <a:rPr lang="en-US" smtClean="0"/>
-              <a:t>5/7/20</a:t>
+              <a:t>5/10/20</a:t>
             </a:fld>
             <a:endParaRPr lang="en-US"/>
           </a:p>
@@ -713,7 +712,7 @@
     </p:spTree>
     <p:extLst>
       <p:ext uri="{BB962C8B-B14F-4D97-AF65-F5344CB8AC3E}">
-        <p14:creationId xmlns:p14="http://schemas.microsoft.com/office/powerpoint/2010/main" val="1873784672"/>
+        <p14:creationId xmlns:p14="http://schemas.microsoft.com/office/powerpoint/2010/main" val="3494311249"/>
       </p:ext>
     </p:extLst>
   </p:cSld>
@@ -797,7 +796,7 @@
     </p:spTree>
     <p:extLst>
       <p:ext uri="{BB962C8B-B14F-4D97-AF65-F5344CB8AC3E}">
-        <p14:creationId xmlns:p14="http://schemas.microsoft.com/office/powerpoint/2010/main" val="3494311249"/>
+        <p14:creationId xmlns:p14="http://schemas.microsoft.com/office/powerpoint/2010/main" val="2959361599"/>
       </p:ext>
     </p:extLst>
   </p:cSld>
@@ -881,7 +880,7 @@
     </p:spTree>
     <p:extLst>
       <p:ext uri="{BB962C8B-B14F-4D97-AF65-F5344CB8AC3E}">
-        <p14:creationId xmlns:p14="http://schemas.microsoft.com/office/powerpoint/2010/main" val="2959361599"/>
+        <p14:creationId xmlns:p14="http://schemas.microsoft.com/office/powerpoint/2010/main" val="3201638009"/>
       </p:ext>
     </p:extLst>
   </p:cSld>
@@ -965,7 +964,7 @@
     </p:spTree>
     <p:extLst>
       <p:ext uri="{BB962C8B-B14F-4D97-AF65-F5344CB8AC3E}">
-        <p14:creationId xmlns:p14="http://schemas.microsoft.com/office/powerpoint/2010/main" val="3201638009"/>
+        <p14:creationId xmlns:p14="http://schemas.microsoft.com/office/powerpoint/2010/main" val="2896227289"/>
       </p:ext>
     </p:extLst>
   </p:cSld>
@@ -1041,90 +1040,6 @@
             <a:fld id="{E7858452-0BAB-6E42-9721-5DC06FFB7E65}" type="slidenum">
               <a:rPr lang="en-US" smtClean="0"/>
               <a:t>7</a:t>
-            </a:fld>
-            <a:endParaRPr lang="en-US"/>
-          </a:p>
-        </p:txBody>
-      </p:sp>
-    </p:spTree>
-    <p:extLst>
-      <p:ext uri="{BB962C8B-B14F-4D97-AF65-F5344CB8AC3E}">
-        <p14:creationId xmlns:p14="http://schemas.microsoft.com/office/powerpoint/2010/main" val="2896227289"/>
-      </p:ext>
-    </p:extLst>
-  </p:cSld>
-  <p:clrMapOvr>
-    <a:masterClrMapping/>
-  </p:clrMapOvr>
-</p:notes>
-</file>
-
-<file path=ppt/notesSlides/notesSlide8.xml><?xml version="1.0" encoding="utf-8"?>
-<p:notes xmlns:a="http://schemas.openxmlformats.org/drawingml/2006/main" xmlns:r="http://schemas.openxmlformats.org/officeDocument/2006/relationships" xmlns:p="http://schemas.openxmlformats.org/presentationml/2006/main">
-  <p:cSld>
-    <p:spTree>
-      <p:nvGrpSpPr>
-        <p:cNvPr id="1" name=""/>
-        <p:cNvGrpSpPr/>
-        <p:nvPr/>
-      </p:nvGrpSpPr>
-      <p:grpSpPr>
-        <a:xfrm>
-          <a:off x="0" y="0"/>
-          <a:ext cx="0" cy="0"/>
-          <a:chOff x="0" y="0"/>
-          <a:chExt cx="0" cy="0"/>
-        </a:xfrm>
-      </p:grpSpPr>
-      <p:sp>
-        <p:nvSpPr>
-          <p:cNvPr id="2" name="Slide Image Placeholder 1"/>
-          <p:cNvSpPr>
-            <a:spLocks noGrp="1" noRot="1" noChangeAspect="1"/>
-          </p:cNvSpPr>
-          <p:nvPr>
-            <p:ph type="sldImg"/>
-          </p:nvPr>
-        </p:nvSpPr>
-        <p:spPr/>
-      </p:sp>
-      <p:sp>
-        <p:nvSpPr>
-          <p:cNvPr id="3" name="Notes Placeholder 2"/>
-          <p:cNvSpPr>
-            <a:spLocks noGrp="1"/>
-          </p:cNvSpPr>
-          <p:nvPr>
-            <p:ph type="body" idx="1"/>
-          </p:nvPr>
-        </p:nvSpPr>
-        <p:spPr/>
-        <p:txBody>
-          <a:bodyPr/>
-          <a:lstStyle/>
-          <a:p>
-            <a:endParaRPr lang="en-US" dirty="0"/>
-          </a:p>
-        </p:txBody>
-      </p:sp>
-      <p:sp>
-        <p:nvSpPr>
-          <p:cNvPr id="4" name="Slide Number Placeholder 3"/>
-          <p:cNvSpPr>
-            <a:spLocks noGrp="1"/>
-          </p:cNvSpPr>
-          <p:nvPr>
-            <p:ph type="sldNum" sz="quarter" idx="5"/>
-          </p:nvPr>
-        </p:nvSpPr>
-        <p:spPr/>
-        <p:txBody>
-          <a:bodyPr/>
-          <a:lstStyle/>
-          <a:p>
-            <a:fld id="{E7858452-0BAB-6E42-9721-5DC06FFB7E65}" type="slidenum">
-              <a:rPr lang="en-US" smtClean="0"/>
-              <a:t>8</a:t>
             </a:fld>
             <a:endParaRPr lang="en-US"/>
           </a:p>
@@ -1290,7 +1205,7 @@
           <a:p>
             <a:fld id="{7270E19F-C401-C048-81A2-7C1C6E873FB6}" type="datetimeFigureOut">
               <a:rPr lang="en-US" smtClean="0"/>
-              <a:t>5/7/20</a:t>
+              <a:t>5/10/20</a:t>
             </a:fld>
             <a:endParaRPr lang="en-US"/>
           </a:p>
@@ -1488,7 +1403,7 @@
           <a:p>
             <a:fld id="{7270E19F-C401-C048-81A2-7C1C6E873FB6}" type="datetimeFigureOut">
               <a:rPr lang="en-US" smtClean="0"/>
-              <a:t>5/7/20</a:t>
+              <a:t>5/10/20</a:t>
             </a:fld>
             <a:endParaRPr lang="en-US"/>
           </a:p>
@@ -1696,7 +1611,7 @@
           <a:p>
             <a:fld id="{7270E19F-C401-C048-81A2-7C1C6E873FB6}" type="datetimeFigureOut">
               <a:rPr lang="en-US" smtClean="0"/>
-              <a:t>5/7/20</a:t>
+              <a:t>5/10/20</a:t>
             </a:fld>
             <a:endParaRPr lang="en-US"/>
           </a:p>
@@ -1894,7 +1809,7 @@
           <a:p>
             <a:fld id="{7270E19F-C401-C048-81A2-7C1C6E873FB6}" type="datetimeFigureOut">
               <a:rPr lang="en-US" smtClean="0"/>
-              <a:t>5/7/20</a:t>
+              <a:t>5/10/20</a:t>
             </a:fld>
             <a:endParaRPr lang="en-US"/>
           </a:p>
@@ -2169,7 +2084,7 @@
           <a:p>
             <a:fld id="{7270E19F-C401-C048-81A2-7C1C6E873FB6}" type="datetimeFigureOut">
               <a:rPr lang="en-US" smtClean="0"/>
-              <a:t>5/7/20</a:t>
+              <a:t>5/10/20</a:t>
             </a:fld>
             <a:endParaRPr lang="en-US"/>
           </a:p>
@@ -2434,7 +2349,7 @@
           <a:p>
             <a:fld id="{7270E19F-C401-C048-81A2-7C1C6E873FB6}" type="datetimeFigureOut">
               <a:rPr lang="en-US" smtClean="0"/>
-              <a:t>5/7/20</a:t>
+              <a:t>5/10/20</a:t>
             </a:fld>
             <a:endParaRPr lang="en-US"/>
           </a:p>
@@ -2846,7 +2761,7 @@
           <a:p>
             <a:fld id="{7270E19F-C401-C048-81A2-7C1C6E873FB6}" type="datetimeFigureOut">
               <a:rPr lang="en-US" smtClean="0"/>
-              <a:t>5/7/20</a:t>
+              <a:t>5/10/20</a:t>
             </a:fld>
             <a:endParaRPr lang="en-US"/>
           </a:p>
@@ -2987,7 +2902,7 @@
           <a:p>
             <a:fld id="{7270E19F-C401-C048-81A2-7C1C6E873FB6}" type="datetimeFigureOut">
               <a:rPr lang="en-US" smtClean="0"/>
-              <a:t>5/7/20</a:t>
+              <a:t>5/10/20</a:t>
             </a:fld>
             <a:endParaRPr lang="en-US"/>
           </a:p>
@@ -3100,7 +3015,7 @@
           <a:p>
             <a:fld id="{7270E19F-C401-C048-81A2-7C1C6E873FB6}" type="datetimeFigureOut">
               <a:rPr lang="en-US" smtClean="0"/>
-              <a:t>5/7/20</a:t>
+              <a:t>5/10/20</a:t>
             </a:fld>
             <a:endParaRPr lang="en-US"/>
           </a:p>
@@ -3411,7 +3326,7 @@
           <a:p>
             <a:fld id="{7270E19F-C401-C048-81A2-7C1C6E873FB6}" type="datetimeFigureOut">
               <a:rPr lang="en-US" smtClean="0"/>
-              <a:t>5/7/20</a:t>
+              <a:t>5/10/20</a:t>
             </a:fld>
             <a:endParaRPr lang="en-US"/>
           </a:p>
@@ -3699,7 +3614,7 @@
           <a:p>
             <a:fld id="{7270E19F-C401-C048-81A2-7C1C6E873FB6}" type="datetimeFigureOut">
               <a:rPr lang="en-US" smtClean="0"/>
-              <a:t>5/7/20</a:t>
+              <a:t>5/10/20</a:t>
             </a:fld>
             <a:endParaRPr lang="en-US"/>
           </a:p>
@@ -3943,7 +3858,7 @@
           <a:p>
             <a:fld id="{7270E19F-C401-C048-81A2-7C1C6E873FB6}" type="datetimeFigureOut">
               <a:rPr lang="en-US" smtClean="0"/>
-              <a:t>5/7/20</a:t>
+              <a:t>5/10/20</a:t>
             </a:fld>
             <a:endParaRPr lang="en-US"/>
           </a:p>
@@ -4955,7 +4870,7 @@
                 </a:solidFill>
                 <a:latin typeface="Helvetica" pitchFamily="2" charset="0"/>
               </a:rPr>
-              <a:t>All-in-One Budgeting App</a:t>
+              <a:t>All-In-One Budgeting App</a:t>
             </a:r>
           </a:p>
         </p:txBody>
@@ -5008,13 +4923,13 @@
         </p:nvSpPr>
         <p:spPr>
           <a:xfrm>
-            <a:off x="838199" y="1506933"/>
-            <a:ext cx="9877425" cy="3760788"/>
+            <a:off x="838199" y="1506932"/>
+            <a:ext cx="9877425" cy="4648123"/>
           </a:xfrm>
         </p:spPr>
         <p:txBody>
           <a:bodyPr>
-            <a:normAutofit/>
+            <a:normAutofit lnSpcReduction="10000"/>
           </a:bodyPr>
           <a:lstStyle/>
           <a:p>
@@ -5028,25 +4943,7 @@
                 </a:solidFill>
                 <a:latin typeface="Helvetica" pitchFamily="2" charset="0"/>
               </a:rPr>
-              <a:t>Have you ever found yourself standing in front of the pantry </a:t>
-            </a:r>
-            <a:r>
-              <a:rPr lang="en-US" sz="2400" dirty="0" err="1">
-                <a:solidFill>
-                  <a:schemeClr val="bg1"/>
-                </a:solidFill>
-                <a:latin typeface="Helvetica" pitchFamily="2" charset="0"/>
-              </a:rPr>
-              <a:t>wondering,"What</a:t>
-            </a:r>
-            <a:r>
-              <a:rPr lang="en-US" sz="2400" dirty="0">
-                <a:solidFill>
-                  <a:schemeClr val="bg1"/>
-                </a:solidFill>
-                <a:latin typeface="Helvetica" pitchFamily="2" charset="0"/>
-              </a:rPr>
-              <a:t> could I possibly make with these items?”</a:t>
+              <a:t>FACIA is an app that is an all in one financial aid. It can have various features such as: An Expense tracker that can dynamically analyze future expense needs and costs. Some sub features would include a tip calculator, a tax calculator, and more.</a:t>
             </a:r>
           </a:p>
           <a:p>
@@ -5065,14 +4962,19 @@
               <a:buNone/>
             </a:pPr>
             <a:r>
-              <a:rPr lang="en-US" sz="2400" dirty="0" err="1">
-                <a:solidFill>
-                  <a:schemeClr val="bg1"/>
+              <a:rPr lang="en-US" sz="2400" b="1" dirty="0">
+                <a:solidFill>
+                  <a:srgbClr val="C3AB49"/>
                 </a:solidFill>
                 <a:latin typeface="Helvetica" pitchFamily="2" charset="0"/>
               </a:rPr>
-              <a:t>Foodle</a:t>
-            </a:r>
+              <a:t>CORE FEATURE</a:t>
+            </a:r>
+          </a:p>
+          <a:p>
+            <a:pPr marL="0" indent="0">
+              <a:buNone/>
+            </a:pPr>
             <a:r>
               <a:rPr lang="en-US" sz="2400" dirty="0">
                 <a:solidFill>
@@ -5080,19 +4982,16 @@
                 </a:solidFill>
                 <a:latin typeface="Helvetica" pitchFamily="2" charset="0"/>
               </a:rPr>
-              <a:t> is here to help!</a:t>
-            </a:r>
-            <a:br>
-              <a:rPr lang="en-US" sz="2400" dirty="0">
-                <a:solidFill>
-                  <a:schemeClr val="bg1"/>
-                </a:solidFill>
-                <a:latin typeface="Helvetica" pitchFamily="2" charset="0"/>
-              </a:rPr>
-            </a:br>
-            <a:endParaRPr lang="en-US" sz="2400" dirty="0">
+              <a:t>Budgeting &amp; Expenses</a:t>
+            </a:r>
+          </a:p>
+          <a:p>
+            <a:pPr marL="0" indent="0">
+              <a:buNone/>
+            </a:pPr>
+            <a:endParaRPr lang="en-US" sz="2400" b="1" dirty="0">
               <a:solidFill>
-                <a:schemeClr val="bg1"/>
+                <a:srgbClr val="FFCF01"/>
               </a:solidFill>
               <a:latin typeface="Helvetica" pitchFamily="2" charset="0"/>
             </a:endParaRPr>
@@ -5102,13 +5001,46 @@
               <a:buNone/>
             </a:pPr>
             <a:r>
-              <a:rPr lang="en-US" sz="2400" dirty="0">
-                <a:solidFill>
-                  <a:schemeClr val="bg1"/>
+              <a:rPr lang="en-US" sz="2400" b="1" dirty="0">
+                <a:solidFill>
+                  <a:srgbClr val="C3AB49"/>
                 </a:solidFill>
                 <a:latin typeface="Helvetica" pitchFamily="2" charset="0"/>
               </a:rPr>
-              <a:t>Our application lets users input the food items they have at home and returns recipes that coincide. In addition, you can search for recipes by diet type, create a grocery list, and even favorite the recipes you love.</a:t>
+              <a:t>SECONDARY FEATURES</a:t>
+            </a:r>
+          </a:p>
+          <a:p>
+            <a:r>
+              <a:rPr lang="en-US" sz="2400" dirty="0">
+                <a:solidFill>
+                  <a:schemeClr val="bg1"/>
+                </a:solidFill>
+                <a:latin typeface="Helvetica" pitchFamily="2" charset="0"/>
+              </a:rPr>
+              <a:t>Tip Calculator</a:t>
+            </a:r>
+          </a:p>
+          <a:p>
+            <a:r>
+              <a:rPr lang="en-US" sz="2400" dirty="0">
+                <a:solidFill>
+                  <a:schemeClr val="bg1"/>
+                </a:solidFill>
+                <a:latin typeface="Helvetica" pitchFamily="2" charset="0"/>
+              </a:rPr>
+              <a:t>Currency Converter</a:t>
+            </a:r>
+          </a:p>
+          <a:p>
+            <a:r>
+              <a:rPr lang="en-US" sz="2400" dirty="0">
+                <a:solidFill>
+                  <a:schemeClr val="bg1"/>
+                </a:solidFill>
+                <a:latin typeface="Helvetica" pitchFamily="2" charset="0"/>
+              </a:rPr>
+              <a:t>Stocks</a:t>
             </a:r>
           </a:p>
         </p:txBody>
@@ -5337,8 +5269,8 @@
         </p:nvSpPr>
         <p:spPr>
           <a:xfrm>
-            <a:off x="838200" y="1506933"/>
-            <a:ext cx="9791700" cy="4110834"/>
+            <a:off x="838200" y="1506932"/>
+            <a:ext cx="9791700" cy="4552345"/>
           </a:xfrm>
         </p:spPr>
         <p:txBody>
@@ -5351,13 +5283,126 @@
               <a:buNone/>
             </a:pPr>
             <a:r>
-              <a:rPr lang="en-US" sz="2400" dirty="0">
-                <a:solidFill>
-                  <a:schemeClr val="bg1"/>
+              <a:rPr lang="en-US" b="1" dirty="0">
+                <a:solidFill>
+                  <a:srgbClr val="C3AB49"/>
                 </a:solidFill>
                 <a:latin typeface="Helvetica" pitchFamily="2" charset="0"/>
               </a:rPr>
-              <a:t>Our motivation is to make selecting recipes and grocery shopping easier for our users and to help prevent food waste. By allowing users to select the items they already have in their pantry, the app provides the remaining items needed for your recipe, or gives you recipes you can create without leaving your home.</a:t>
+              <a:t>FRONT END</a:t>
+            </a:r>
+          </a:p>
+          <a:p>
+            <a:pPr marL="0" indent="0">
+              <a:buNone/>
+            </a:pPr>
+            <a:r>
+              <a:rPr lang="en-US" sz="2400" dirty="0">
+                <a:solidFill>
+                  <a:schemeClr val="bg1"/>
+                </a:solidFill>
+                <a:latin typeface="Helvetica" pitchFamily="2" charset="0"/>
+              </a:rPr>
+              <a:t>Catherine &amp; Ashley</a:t>
+            </a:r>
+          </a:p>
+          <a:p>
+            <a:pPr lvl="1"/>
+            <a:r>
+              <a:rPr lang="en-US" sz="2000" dirty="0">
+                <a:solidFill>
+                  <a:schemeClr val="bg1"/>
+                </a:solidFill>
+                <a:latin typeface="Helvetica" pitchFamily="2" charset="0"/>
+              </a:rPr>
+              <a:t>Page layout</a:t>
+            </a:r>
+          </a:p>
+          <a:p>
+            <a:pPr lvl="1"/>
+            <a:r>
+              <a:rPr lang="en-US" sz="2000" dirty="0">
+                <a:solidFill>
+                  <a:schemeClr val="bg1"/>
+                </a:solidFill>
+                <a:latin typeface="Helvetica" pitchFamily="2" charset="0"/>
+              </a:rPr>
+              <a:t>CSS styling</a:t>
+            </a:r>
+          </a:p>
+          <a:p>
+            <a:pPr lvl="1"/>
+            <a:r>
+              <a:rPr lang="en-US" sz="2000" dirty="0">
+                <a:solidFill>
+                  <a:schemeClr val="bg1"/>
+                </a:solidFill>
+                <a:latin typeface="Helvetica" pitchFamily="2" charset="0"/>
+              </a:rPr>
+              <a:t>General design</a:t>
+            </a:r>
+          </a:p>
+          <a:p>
+            <a:pPr marL="0" indent="0">
+              <a:buNone/>
+            </a:pPr>
+            <a:endParaRPr lang="en-US" sz="2400" b="1" dirty="0">
+              <a:solidFill>
+                <a:srgbClr val="FFCF01"/>
+              </a:solidFill>
+              <a:latin typeface="Helvetica" pitchFamily="2" charset="0"/>
+            </a:endParaRPr>
+          </a:p>
+          <a:p>
+            <a:pPr marL="0" indent="0">
+              <a:buNone/>
+            </a:pPr>
+            <a:r>
+              <a:rPr lang="en-US" b="1" dirty="0">
+                <a:solidFill>
+                  <a:srgbClr val="C3AB49"/>
+                </a:solidFill>
+                <a:latin typeface="Helvetica" pitchFamily="2" charset="0"/>
+              </a:rPr>
+              <a:t>BACK END</a:t>
+            </a:r>
+          </a:p>
+          <a:p>
+            <a:pPr marL="0" indent="0">
+              <a:buNone/>
+            </a:pPr>
+            <a:r>
+              <a:rPr lang="en-US" sz="2400" dirty="0">
+                <a:solidFill>
+                  <a:schemeClr val="bg1"/>
+                </a:solidFill>
+                <a:latin typeface="Helvetica" pitchFamily="2" charset="0"/>
+              </a:rPr>
+              <a:t>Ian &amp; Felipe</a:t>
+            </a:r>
+          </a:p>
+          <a:p>
+            <a:pPr lvl="1"/>
+            <a:r>
+              <a:rPr lang="en-US" sz="2000" dirty="0">
+                <a:solidFill>
+                  <a:schemeClr val="bg1"/>
+                </a:solidFill>
+                <a:latin typeface="Helvetica" pitchFamily="2" charset="0"/>
+              </a:rPr>
+              <a:t>Database setup and functionality</a:t>
+            </a:r>
+          </a:p>
+          <a:p>
+            <a:pPr lvl="1"/>
+            <a:r>
+              <a:rPr lang="en-US" sz="2000" dirty="0">
+                <a:solidFill>
+                  <a:schemeClr val="bg1"/>
+                </a:solidFill>
+                <a:latin typeface="Helvetica" pitchFamily="2" charset="0"/>
+              </a:rPr>
+              <a:t>API setup and functionality</a:t>
             </a:r>
           </a:p>
         </p:txBody>
@@ -5367,7 +5412,7 @@
           <p:cNvPr id="10" name="Rectangle 9">
             <a:extLst>
               <a:ext uri="{FF2B5EF4-FFF2-40B4-BE49-F238E27FC236}">
-                <a16:creationId xmlns:a16="http://schemas.microsoft.com/office/drawing/2014/main" id="{364CB591-15FC-E649-92BC-443D9BD24E9A}"/>
+                <a16:creationId xmlns:a16="http://schemas.microsoft.com/office/drawing/2014/main" id="{56EF0C2C-AEC2-0446-8A69-A2FA4753D58C}"/>
               </a:ext>
             </a:extLst>
           </p:cNvPr>
@@ -5419,7 +5464,7 @@
           <p:cNvPr id="11" name="Title 1">
             <a:extLst>
               <a:ext uri="{FF2B5EF4-FFF2-40B4-BE49-F238E27FC236}">
-                <a16:creationId xmlns:a16="http://schemas.microsoft.com/office/drawing/2014/main" id="{407CD4F3-2265-C74A-92A4-349E5F5B86AE}"/>
+                <a16:creationId xmlns:a16="http://schemas.microsoft.com/office/drawing/2014/main" id="{DD503215-F1FC-B846-93AD-CE7F3822186E}"/>
               </a:ext>
             </a:extLst>
           </p:cNvPr>
@@ -5447,447 +5492,7 @@
                 </a:solidFill>
                 <a:latin typeface="Helvetica" pitchFamily="2" charset="0"/>
               </a:rPr>
-              <a:t>Motivation</a:t>
-            </a:r>
-          </a:p>
-        </p:txBody>
-      </p:sp>
-      <p:sp>
-        <p:nvSpPr>
-          <p:cNvPr id="12" name="Rectangle 11">
-            <a:extLst>
-              <a:ext uri="{FF2B5EF4-FFF2-40B4-BE49-F238E27FC236}">
-                <a16:creationId xmlns:a16="http://schemas.microsoft.com/office/drawing/2014/main" id="{F166F9DB-69EE-3144-9F06-FF0D620881D3}"/>
-              </a:ext>
-            </a:extLst>
-          </p:cNvPr>
-          <p:cNvSpPr/>
-          <p:nvPr/>
-        </p:nvSpPr>
-        <p:spPr>
-          <a:xfrm>
-            <a:off x="0" y="1085849"/>
-            <a:ext cx="12192000" cy="45719"/>
-          </a:xfrm>
-          <a:prstGeom prst="rect">
-            <a:avLst/>
-          </a:prstGeom>
-          <a:solidFill>
-            <a:srgbClr val="C3AB49"/>
-          </a:solidFill>
-          <a:ln>
-            <a:noFill/>
-          </a:ln>
-        </p:spPr>
-        <p:style>
-          <a:lnRef idx="2">
-            <a:schemeClr val="accent1">
-              <a:shade val="50000"/>
-            </a:schemeClr>
-          </a:lnRef>
-          <a:fillRef idx="1">
-            <a:schemeClr val="accent1"/>
-          </a:fillRef>
-          <a:effectRef idx="0">
-            <a:schemeClr val="accent1"/>
-          </a:effectRef>
-          <a:fontRef idx="minor">
-            <a:schemeClr val="lt1"/>
-          </a:fontRef>
-        </p:style>
-        <p:txBody>
-          <a:bodyPr rtlCol="0" anchor="ctr"/>
-          <a:lstStyle/>
-          <a:p>
-            <a:pPr algn="ctr"/>
-            <a:endParaRPr lang="en-US">
-              <a:solidFill>
-                <a:srgbClr val="FFCF01"/>
-              </a:solidFill>
-            </a:endParaRPr>
-          </a:p>
-        </p:txBody>
-      </p:sp>
-      <p:pic>
-        <p:nvPicPr>
-          <p:cNvPr id="13" name="Picture 12">
-            <a:extLst>
-              <a:ext uri="{FF2B5EF4-FFF2-40B4-BE49-F238E27FC236}">
-                <a16:creationId xmlns:a16="http://schemas.microsoft.com/office/drawing/2014/main" id="{EFFF942C-DE7E-F942-A622-07BBE668FC8F}"/>
-              </a:ext>
-            </a:extLst>
-          </p:cNvPr>
-          <p:cNvPicPr>
-            <a:picLocks noChangeAspect="1"/>
-          </p:cNvPicPr>
-          <p:nvPr/>
-        </p:nvPicPr>
-        <p:blipFill>
-          <a:blip r:embed="rId3"/>
-          <a:stretch>
-            <a:fillRect/>
-          </a:stretch>
-        </p:blipFill>
-        <p:spPr>
-          <a:xfrm>
-            <a:off x="10865048" y="460373"/>
-            <a:ext cx="977504" cy="977504"/>
-          </a:xfrm>
-          <a:prstGeom prst="rect">
-            <a:avLst/>
-          </a:prstGeom>
-        </p:spPr>
-      </p:pic>
-    </p:spTree>
-    <p:extLst>
-      <p:ext uri="{BB962C8B-B14F-4D97-AF65-F5344CB8AC3E}">
-        <p14:creationId xmlns:p14="http://schemas.microsoft.com/office/powerpoint/2010/main" val="253605872"/>
-      </p:ext>
-    </p:extLst>
-  </p:cSld>
-  <p:clrMapOvr>
-    <a:masterClrMapping/>
-  </p:clrMapOvr>
-</p:sld>
-</file>
-
-<file path=ppt/slides/slide4.xml><?xml version="1.0" encoding="utf-8"?>
-<p:sld xmlns:a="http://schemas.openxmlformats.org/drawingml/2006/main" xmlns:r="http://schemas.openxmlformats.org/officeDocument/2006/relationships" xmlns:p="http://schemas.openxmlformats.org/presentationml/2006/main">
-  <p:cSld>
-    <p:spTree>
-      <p:nvGrpSpPr>
-        <p:cNvPr id="1" name=""/>
-        <p:cNvGrpSpPr/>
-        <p:nvPr/>
-      </p:nvGrpSpPr>
-      <p:grpSpPr>
-        <a:xfrm>
-          <a:off x="0" y="0"/>
-          <a:ext cx="0" cy="0"/>
-          <a:chOff x="0" y="0"/>
-          <a:chExt cx="0" cy="0"/>
-        </a:xfrm>
-      </p:grpSpPr>
-      <p:sp>
-        <p:nvSpPr>
-          <p:cNvPr id="3" name="Content Placeholder 2">
-            <a:extLst>
-              <a:ext uri="{FF2B5EF4-FFF2-40B4-BE49-F238E27FC236}">
-                <a16:creationId xmlns:a16="http://schemas.microsoft.com/office/drawing/2014/main" id="{83982278-6B82-774C-9D85-CCEAF4FFE54E}"/>
-              </a:ext>
-            </a:extLst>
-          </p:cNvPr>
-          <p:cNvSpPr>
-            <a:spLocks noGrp="1"/>
-          </p:cNvSpPr>
-          <p:nvPr>
-            <p:ph idx="1"/>
-          </p:nvPr>
-        </p:nvSpPr>
-        <p:spPr>
-          <a:xfrm>
-            <a:off x="838200" y="1506932"/>
-            <a:ext cx="9791700" cy="4779568"/>
-          </a:xfrm>
-        </p:spPr>
-        <p:txBody>
-          <a:bodyPr>
-            <a:normAutofit/>
-          </a:bodyPr>
-          <a:lstStyle/>
-          <a:p>
-            <a:pPr marL="0" indent="0">
-              <a:buNone/>
-            </a:pPr>
-            <a:r>
-              <a:rPr lang="en-US" b="1" dirty="0">
-                <a:solidFill>
-                  <a:srgbClr val="C3AB49"/>
-                </a:solidFill>
-                <a:latin typeface="Helvetica" pitchFamily="2" charset="0"/>
-              </a:rPr>
-              <a:t>FRONT END</a:t>
-            </a:r>
-          </a:p>
-          <a:p>
-            <a:pPr marL="0" indent="0">
-              <a:buNone/>
-            </a:pPr>
-            <a:r>
-              <a:rPr lang="en-US" sz="2400" dirty="0">
-                <a:solidFill>
-                  <a:schemeClr val="bg1"/>
-                </a:solidFill>
-                <a:latin typeface="Helvetica" pitchFamily="2" charset="0"/>
-              </a:rPr>
-              <a:t>Page Layout - Ashley and </a:t>
-            </a:r>
-            <a:r>
-              <a:rPr lang="en-US" sz="2400" dirty="0" err="1">
-                <a:solidFill>
-                  <a:schemeClr val="bg1"/>
-                </a:solidFill>
-                <a:latin typeface="Helvetica" pitchFamily="2" charset="0"/>
-              </a:rPr>
-              <a:t>Ashtin</a:t>
-            </a:r>
-            <a:br>
-              <a:rPr lang="en-US" sz="2400" dirty="0">
-                <a:solidFill>
-                  <a:schemeClr val="bg1"/>
-                </a:solidFill>
-                <a:latin typeface="Helvetica" pitchFamily="2" charset="0"/>
-              </a:rPr>
-            </a:br>
-            <a:r>
-              <a:rPr lang="en-US" sz="2400" dirty="0">
-                <a:solidFill>
-                  <a:schemeClr val="bg1"/>
-                </a:solidFill>
-                <a:latin typeface="Helvetica" pitchFamily="2" charset="0"/>
-              </a:rPr>
-              <a:t>Basic Layout of page</a:t>
-            </a:r>
-            <a:br>
-              <a:rPr lang="en-US" sz="2400" dirty="0">
-                <a:solidFill>
-                  <a:schemeClr val="bg1"/>
-                </a:solidFill>
-                <a:latin typeface="Helvetica" pitchFamily="2" charset="0"/>
-              </a:rPr>
-            </a:br>
-            <a:r>
-              <a:rPr lang="en-US" sz="2400" dirty="0">
-                <a:solidFill>
-                  <a:schemeClr val="bg1"/>
-                </a:solidFill>
-                <a:latin typeface="Helvetica" pitchFamily="2" charset="0"/>
-              </a:rPr>
-              <a:t>Use Bootstrap</a:t>
-            </a:r>
-            <a:br>
-              <a:rPr lang="en-US" sz="2400" dirty="0">
-                <a:solidFill>
-                  <a:schemeClr val="bg1"/>
-                </a:solidFill>
-                <a:latin typeface="Helvetica" pitchFamily="2" charset="0"/>
-              </a:rPr>
-            </a:br>
-            <a:r>
-              <a:rPr lang="en-US" sz="2400" dirty="0">
-                <a:solidFill>
-                  <a:schemeClr val="bg1"/>
-                </a:solidFill>
-                <a:latin typeface="Helvetica" pitchFamily="2" charset="0"/>
-              </a:rPr>
-              <a:t>PowerPoint presentation</a:t>
-            </a:r>
-          </a:p>
-          <a:p>
-            <a:pPr marL="0" indent="0">
-              <a:buNone/>
-            </a:pPr>
-            <a:endParaRPr lang="en-US" sz="2400" b="1" dirty="0">
-              <a:solidFill>
-                <a:srgbClr val="FFCF01"/>
-              </a:solidFill>
-              <a:latin typeface="Helvetica" pitchFamily="2" charset="0"/>
-            </a:endParaRPr>
-          </a:p>
-          <a:p>
-            <a:pPr marL="0" indent="0">
-              <a:buNone/>
-            </a:pPr>
-            <a:r>
-              <a:rPr lang="en-US" b="1" dirty="0">
-                <a:solidFill>
-                  <a:srgbClr val="C3AB49"/>
-                </a:solidFill>
-                <a:latin typeface="Helvetica" pitchFamily="2" charset="0"/>
-              </a:rPr>
-              <a:t>BACK END</a:t>
-            </a:r>
-          </a:p>
-          <a:p>
-            <a:pPr marL="0" indent="0">
-              <a:buNone/>
-            </a:pPr>
-            <a:r>
-              <a:rPr lang="en-US" sz="2400" dirty="0">
-                <a:solidFill>
-                  <a:schemeClr val="bg1"/>
-                </a:solidFill>
-                <a:latin typeface="Helvetica" pitchFamily="2" charset="0"/>
-              </a:rPr>
-              <a:t>API implementation - </a:t>
-            </a:r>
-            <a:r>
-              <a:rPr lang="en-US" sz="2400" dirty="0" err="1">
-                <a:solidFill>
-                  <a:schemeClr val="bg1"/>
-                </a:solidFill>
-                <a:latin typeface="Helvetica" pitchFamily="2" charset="0"/>
-              </a:rPr>
-              <a:t>Reeka</a:t>
-            </a:r>
-            <a:r>
-              <a:rPr lang="en-US" sz="2400" dirty="0">
-                <a:solidFill>
-                  <a:schemeClr val="bg1"/>
-                </a:solidFill>
-                <a:latin typeface="Helvetica" pitchFamily="2" charset="0"/>
-              </a:rPr>
-              <a:t> and Brandon</a:t>
-            </a:r>
-            <a:br>
-              <a:rPr lang="en-US" sz="2400" dirty="0">
-                <a:solidFill>
-                  <a:schemeClr val="bg1"/>
-                </a:solidFill>
-                <a:latin typeface="Helvetica" pitchFamily="2" charset="0"/>
-              </a:rPr>
-            </a:br>
-            <a:r>
-              <a:rPr lang="en-US" sz="2400" dirty="0">
-                <a:solidFill>
-                  <a:schemeClr val="bg1"/>
-                </a:solidFill>
-                <a:latin typeface="Helvetica" pitchFamily="2" charset="0"/>
-              </a:rPr>
-              <a:t>Implementing APIs</a:t>
-            </a:r>
-            <a:br>
-              <a:rPr lang="en-US" sz="2400" dirty="0">
-                <a:solidFill>
-                  <a:schemeClr val="bg1"/>
-                </a:solidFill>
-                <a:latin typeface="Helvetica" pitchFamily="2" charset="0"/>
-              </a:rPr>
-            </a:br>
-            <a:r>
-              <a:rPr lang="en-US" sz="2400" dirty="0">
-                <a:solidFill>
-                  <a:schemeClr val="bg1"/>
-                </a:solidFill>
-                <a:latin typeface="Helvetica" pitchFamily="2" charset="0"/>
-              </a:rPr>
-              <a:t>Recipe - Food - Nutrition + Whisk API - </a:t>
-            </a:r>
-            <a:r>
-              <a:rPr lang="en-US" sz="2400" dirty="0" err="1">
-                <a:solidFill>
-                  <a:schemeClr val="bg1"/>
-                </a:solidFill>
-                <a:latin typeface="Helvetica" pitchFamily="2" charset="0"/>
-              </a:rPr>
-              <a:t>Reeka</a:t>
-            </a:r>
-            <a:br>
-              <a:rPr lang="en-US" sz="2400" dirty="0">
-                <a:solidFill>
-                  <a:schemeClr val="bg1"/>
-                </a:solidFill>
-                <a:latin typeface="Helvetica" pitchFamily="2" charset="0"/>
-              </a:rPr>
-            </a:br>
-            <a:r>
-              <a:rPr lang="en-US" sz="2400" dirty="0">
-                <a:solidFill>
-                  <a:schemeClr val="bg1"/>
-                </a:solidFill>
-                <a:latin typeface="Helvetica" pitchFamily="2" charset="0"/>
-              </a:rPr>
-              <a:t>Functionality and Firebase - Brandon</a:t>
-            </a:r>
-          </a:p>
-        </p:txBody>
-      </p:sp>
-      <p:sp>
-        <p:nvSpPr>
-          <p:cNvPr id="10" name="Rectangle 9">
-            <a:extLst>
-              <a:ext uri="{FF2B5EF4-FFF2-40B4-BE49-F238E27FC236}">
-                <a16:creationId xmlns:a16="http://schemas.microsoft.com/office/drawing/2014/main" id="{56EF0C2C-AEC2-0446-8A69-A2FA4753D58C}"/>
-              </a:ext>
-            </a:extLst>
-          </p:cNvPr>
-          <p:cNvSpPr/>
-          <p:nvPr/>
-        </p:nvSpPr>
-        <p:spPr>
-          <a:xfrm>
-            <a:off x="0" y="152404"/>
-            <a:ext cx="12192000" cy="933445"/>
-          </a:xfrm>
-          <a:prstGeom prst="rect">
-            <a:avLst/>
-          </a:prstGeom>
-          <a:solidFill>
-            <a:srgbClr val="7FAA86"/>
-          </a:solidFill>
-          <a:ln>
-            <a:noFill/>
-          </a:ln>
-        </p:spPr>
-        <p:style>
-          <a:lnRef idx="2">
-            <a:schemeClr val="accent1">
-              <a:shade val="50000"/>
-            </a:schemeClr>
-          </a:lnRef>
-          <a:fillRef idx="1">
-            <a:schemeClr val="accent1"/>
-          </a:fillRef>
-          <a:effectRef idx="0">
-            <a:schemeClr val="accent1"/>
-          </a:effectRef>
-          <a:fontRef idx="minor">
-            <a:schemeClr val="lt1"/>
-          </a:fontRef>
-        </p:style>
-        <p:txBody>
-          <a:bodyPr rtlCol="0" anchor="ctr"/>
-          <a:lstStyle/>
-          <a:p>
-            <a:pPr algn="ctr"/>
-            <a:endParaRPr lang="en-US"/>
-          </a:p>
-        </p:txBody>
-      </p:sp>
-      <p:sp>
-        <p:nvSpPr>
-          <p:cNvPr id="11" name="Title 1">
-            <a:extLst>
-              <a:ext uri="{FF2B5EF4-FFF2-40B4-BE49-F238E27FC236}">
-                <a16:creationId xmlns:a16="http://schemas.microsoft.com/office/drawing/2014/main" id="{DD503215-F1FC-B846-93AD-CE7F3822186E}"/>
-              </a:ext>
-            </a:extLst>
-          </p:cNvPr>
-          <p:cNvSpPr>
-            <a:spLocks noGrp="1"/>
-          </p:cNvSpPr>
-          <p:nvPr>
-            <p:ph type="title"/>
-          </p:nvPr>
-        </p:nvSpPr>
-        <p:spPr>
-          <a:xfrm>
-            <a:off x="838200" y="43257"/>
-            <a:ext cx="10515600" cy="1325563"/>
-          </a:xfrm>
-        </p:spPr>
-        <p:txBody>
-          <a:bodyPr/>
-          <a:lstStyle/>
-          <a:p>
-            <a:r>
-              <a:rPr lang="en-US" b="1" dirty="0">
-                <a:solidFill>
-                  <a:schemeClr val="bg1"/>
-                </a:solidFill>
-                <a:latin typeface="Helvetica" pitchFamily="2" charset="0"/>
-              </a:rPr>
-              <a:t>Design Process</a:t>
+              <a:t>Building Process</a:t>
             </a:r>
           </a:p>
         </p:txBody>
@@ -5991,7 +5596,7 @@
 </p:sld>
 </file>
 
-<file path=ppt/slides/slide5.xml><?xml version="1.0" encoding="utf-8"?>
+<file path=ppt/slides/slide4.xml><?xml version="1.0" encoding="utf-8"?>
 <p:sld xmlns:a="http://schemas.openxmlformats.org/drawingml/2006/main" xmlns:r="http://schemas.openxmlformats.org/officeDocument/2006/relationships" xmlns:p="http://schemas.openxmlformats.org/presentationml/2006/main">
   <p:cSld>
     <p:spTree>
@@ -6211,8 +5816,14 @@
                 </a:solidFill>
                 <a:latin typeface="Helvetica" pitchFamily="2" charset="0"/>
               </a:rPr>
-              <a:t>Programs We Used</a:t>
-            </a:r>
+              <a:t>FACIA Web App Utilizes:</a:t>
+            </a:r>
+            <a:endParaRPr lang="en-US" sz="2400" dirty="0">
+              <a:solidFill>
+                <a:schemeClr val="bg1"/>
+              </a:solidFill>
+              <a:latin typeface="Helvetica" pitchFamily="2" charset="0"/>
+            </a:endParaRPr>
           </a:p>
           <a:p>
             <a:pPr fontAlgn="base"/>
@@ -6223,7 +5834,7 @@
                 </a:solidFill>
                 <a:latin typeface="Helvetica" pitchFamily="2" charset="0"/>
               </a:rPr>
-              <a:t>Bootstrap</a:t>
+              <a:t>Node and Express Web Server</a:t>
             </a:r>
           </a:p>
           <a:p>
@@ -6235,23 +5846,17 @@
                 </a:solidFill>
                 <a:latin typeface="Helvetica" pitchFamily="2" charset="0"/>
               </a:rPr>
-              <a:t>Adobe Illustrator</a:t>
-            </a:r>
-          </a:p>
-          <a:p>
-            <a:pPr fontAlgn="base"/>
-            <a:r>
-              <a:rPr lang="en-US" sz="2400" dirty="0">
+              <a:t>MySQL Database with a </a:t>
+            </a:r>
+            <a:r>
+              <a:rPr lang="en-US" sz="2400" dirty="0" err="1">
                 <a:solidFill>
                   <a:schemeClr val="bg1"/>
                 </a:solidFill>
                 <a:latin typeface="Helvetica" pitchFamily="2" charset="0"/>
               </a:rPr>
-              <a:t>Visual Studio </a:t>
-            </a:r>
-          </a:p>
-          <a:p>
-            <a:pPr fontAlgn="base"/>
+              <a:t>Sequelize</a:t>
+            </a:r>
             <a:r>
               <a:rPr lang="en-US" sz="2400" dirty="0">
                 <a:solidFill>
@@ -6259,7 +5864,7 @@
                 </a:solidFill>
                 <a:latin typeface="Helvetica" pitchFamily="2" charset="0"/>
               </a:rPr>
-              <a:t>Google Docs</a:t>
+              <a:t> ORM</a:t>
             </a:r>
           </a:p>
           <a:p>
@@ -6271,7 +5876,7 @@
                 </a:solidFill>
                 <a:latin typeface="Helvetica" pitchFamily="2" charset="0"/>
               </a:rPr>
-              <a:t>Food - Nutrition API </a:t>
+              <a:t>GET and POST routes for retrieving and adding new data</a:t>
             </a:r>
           </a:p>
           <a:p>
@@ -6283,7 +5888,7 @@
                 </a:solidFill>
                 <a:latin typeface="Helvetica" pitchFamily="2" charset="0"/>
               </a:rPr>
-              <a:t>Whisk API </a:t>
+              <a:t>Heroku (with data, for deployment)</a:t>
             </a:r>
           </a:p>
           <a:p>
@@ -6295,7 +5900,64 @@
                 </a:solidFill>
                 <a:latin typeface="Helvetica" pitchFamily="2" charset="0"/>
               </a:rPr>
-              <a:t>PowerPoint</a:t>
+              <a:t>Travis CI and </a:t>
+            </a:r>
+            <a:r>
+              <a:rPr lang="en-US" sz="2400" dirty="0" err="1">
+                <a:solidFill>
+                  <a:schemeClr val="bg1"/>
+                </a:solidFill>
+                <a:latin typeface="Helvetica" pitchFamily="2" charset="0"/>
+              </a:rPr>
+              <a:t>ESLint</a:t>
+            </a:r>
+            <a:endParaRPr lang="en-US" sz="2400" dirty="0">
+              <a:solidFill>
+                <a:schemeClr val="bg1"/>
+              </a:solidFill>
+              <a:latin typeface="Helvetica" pitchFamily="2" charset="0"/>
+            </a:endParaRPr>
+          </a:p>
+          <a:p>
+            <a:pPr fontAlgn="base"/>
+            <a:r>
+              <a:rPr lang="en-US" sz="2400" dirty="0">
+                <a:solidFill>
+                  <a:schemeClr val="bg1"/>
+                </a:solidFill>
+                <a:highlight>
+                  <a:srgbClr val="C3AB49"/>
+                </a:highlight>
+                <a:latin typeface="Helvetica" pitchFamily="2" charset="0"/>
+              </a:rPr>
+              <a:t>Incorporates at least one new library, package, or technology that we haven’t discussed</a:t>
+            </a:r>
+          </a:p>
+          <a:p>
+            <a:pPr fontAlgn="base"/>
+            <a:r>
+              <a:rPr lang="en-US" sz="2400" dirty="0">
+                <a:solidFill>
+                  <a:schemeClr val="bg1"/>
+                </a:solidFill>
+                <a:highlight>
+                  <a:srgbClr val="C3AB49"/>
+                </a:highlight>
+                <a:latin typeface="Helvetica" pitchFamily="2" charset="0"/>
+              </a:rPr>
+              <a:t>APIs</a:t>
+            </a:r>
+          </a:p>
+          <a:p>
+            <a:pPr fontAlgn="base"/>
+            <a:r>
+              <a:rPr lang="en-US" sz="2400" dirty="0">
+                <a:solidFill>
+                  <a:schemeClr val="bg1"/>
+                </a:solidFill>
+                <a:latin typeface="Helvetica" pitchFamily="2" charset="0"/>
+              </a:rPr>
+              <a:t>HTML, Bootstrap, CSS, JS</a:t>
             </a:r>
           </a:p>
         </p:txBody>
@@ -6489,7 +6151,7 @@
 </p:sld>
 </file>
 
-<file path=ppt/slides/slide6.xml><?xml version="1.0" encoding="utf-8"?>
+<file path=ppt/slides/slide5.xml><?xml version="1.0" encoding="utf-8"?>
 <p:sld xmlns:a="http://schemas.openxmlformats.org/drawingml/2006/main" xmlns:r="http://schemas.openxmlformats.org/officeDocument/2006/relationships" xmlns:p="http://schemas.openxmlformats.org/presentationml/2006/main">
   <p:cSld>
     <p:spTree>
@@ -6506,62 +6168,6 @@
           <a:chExt cx="0" cy="0"/>
         </a:xfrm>
       </p:grpSpPr>
-      <p:sp>
-        <p:nvSpPr>
-          <p:cNvPr id="10" name="Content Placeholder 2">
-            <a:extLst>
-              <a:ext uri="{FF2B5EF4-FFF2-40B4-BE49-F238E27FC236}">
-                <a16:creationId xmlns:a16="http://schemas.microsoft.com/office/drawing/2014/main" id="{58378187-3D8D-C64A-90CF-3C27AFA6A2CE}"/>
-              </a:ext>
-            </a:extLst>
-          </p:cNvPr>
-          <p:cNvSpPr>
-            <a:spLocks noGrp="1"/>
-          </p:cNvSpPr>
-          <p:nvPr>
-            <p:ph idx="1"/>
-          </p:nvPr>
-        </p:nvSpPr>
-        <p:spPr>
-          <a:xfrm>
-            <a:off x="1214438" y="5772151"/>
-            <a:ext cx="9791700" cy="532742"/>
-          </a:xfrm>
-        </p:spPr>
-        <p:txBody>
-          <a:bodyPr>
-            <a:normAutofit/>
-          </a:bodyPr>
-          <a:lstStyle/>
-          <a:p>
-            <a:pPr marL="0" indent="0" algn="ctr">
-              <a:buNone/>
-            </a:pPr>
-            <a:r>
-              <a:rPr lang="en-US" b="1" dirty="0">
-                <a:solidFill>
-                  <a:srgbClr val="C3AB49"/>
-                </a:solidFill>
-                <a:latin typeface="Helvetica" pitchFamily="2" charset="0"/>
-                <a:hlinkClick r:id="rId3">
-                  <a:extLst>
-                    <a:ext uri="{A12FA001-AC4F-418D-AE19-62706E023703}">
-                      <ahyp:hlinkClr xmlns:ahyp="http://schemas.microsoft.com/office/drawing/2018/hyperlinkcolor" val="tx"/>
-                    </a:ext>
-                  </a:extLst>
-                </a:hlinkClick>
-              </a:rPr>
-              <a:t>VISIT FACIA</a:t>
-            </a:r>
-            <a:endParaRPr lang="en-US" sz="2400" dirty="0">
-              <a:solidFill>
-                <a:srgbClr val="C3AB49"/>
-              </a:solidFill>
-              <a:latin typeface="Helvetica" pitchFamily="2" charset="0"/>
-            </a:endParaRPr>
-          </a:p>
-        </p:txBody>
-      </p:sp>
       <p:sp>
         <p:nvSpPr>
           <p:cNvPr id="11" name="Rectangle 10">
@@ -6647,7 +6253,7 @@
                 </a:solidFill>
                 <a:latin typeface="Helvetica" pitchFamily="2" charset="0"/>
               </a:rPr>
-              <a:t>Demonstration</a:t>
+              <a:t>App Demonstration</a:t>
             </a:r>
           </a:p>
         </p:txBody>
@@ -6723,7 +6329,7 @@
           <p:nvPr/>
         </p:nvPicPr>
         <p:blipFill>
-          <a:blip r:embed="rId4"/>
+          <a:blip r:embed="rId3"/>
           <a:stretch>
             <a:fillRect/>
           </a:stretch>
@@ -6732,6 +6338,67 @@
           <a:xfrm>
             <a:off x="10865048" y="460373"/>
             <a:ext cx="977504" cy="977504"/>
+          </a:xfrm>
+          <a:prstGeom prst="rect">
+            <a:avLst/>
+          </a:prstGeom>
+        </p:spPr>
+      </p:pic>
+      <p:pic>
+        <p:nvPicPr>
+          <p:cNvPr id="3" name="Picture 2">
+            <a:extLst>
+              <a:ext uri="{FF2B5EF4-FFF2-40B4-BE49-F238E27FC236}">
+                <a16:creationId xmlns:a16="http://schemas.microsoft.com/office/drawing/2014/main" id="{B11DA9A9-A44C-2F4A-A339-3AABBE0E94F3}"/>
+              </a:ext>
+            </a:extLst>
+          </p:cNvPr>
+          <p:cNvPicPr>
+            <a:picLocks noChangeAspect="1"/>
+          </p:cNvPicPr>
+          <p:nvPr/>
+        </p:nvPicPr>
+        <p:blipFill>
+          <a:blip r:embed="rId4"/>
+          <a:stretch>
+            <a:fillRect/>
+          </a:stretch>
+        </p:blipFill>
+        <p:spPr>
+          <a:xfrm>
+            <a:off x="3067002" y="1220074"/>
+            <a:ext cx="6035962" cy="4840377"/>
+          </a:xfrm>
+          <a:prstGeom prst="rect">
+            <a:avLst/>
+          </a:prstGeom>
+        </p:spPr>
+      </p:pic>
+      <p:pic>
+        <p:nvPicPr>
+          <p:cNvPr id="4" name="Picture 3">
+            <a:hlinkClick r:id="rId5"/>
+            <a:extLst>
+              <a:ext uri="{FF2B5EF4-FFF2-40B4-BE49-F238E27FC236}">
+                <a16:creationId xmlns:a16="http://schemas.microsoft.com/office/drawing/2014/main" id="{71C1FF67-052F-6F4F-908D-7C1931160F40}"/>
+              </a:ext>
+            </a:extLst>
+          </p:cNvPr>
+          <p:cNvPicPr>
+            <a:picLocks noChangeAspect="1"/>
+          </p:cNvPicPr>
+          <p:nvPr/>
+        </p:nvPicPr>
+        <p:blipFill>
+          <a:blip r:embed="rId6"/>
+          <a:stretch>
+            <a:fillRect/>
+          </a:stretch>
+        </p:blipFill>
+        <p:spPr>
+          <a:xfrm>
+            <a:off x="5211535" y="5968386"/>
+            <a:ext cx="1768929" cy="495300"/>
           </a:xfrm>
           <a:prstGeom prst="rect">
             <a:avLst/>
@@ -6751,7 +6418,7 @@
 </p:sld>
 </file>
 
-<file path=ppt/slides/slide7.xml><?xml version="1.0" encoding="utf-8"?>
+<file path=ppt/slides/slide6.xml><?xml version="1.0" encoding="utf-8"?>
 <p:sld xmlns:a="http://schemas.openxmlformats.org/drawingml/2006/main" xmlns:r="http://schemas.openxmlformats.org/officeDocument/2006/relationships" xmlns:p="http://schemas.openxmlformats.org/presentationml/2006/main">
   <p:cSld>
     <p:spTree>
@@ -7080,7 +6747,7 @@
 </p:sld>
 </file>
 
-<file path=ppt/slides/slide8.xml><?xml version="1.0" encoding="utf-8"?>
+<file path=ppt/slides/slide7.xml><?xml version="1.0" encoding="utf-8"?>
 <p:sld xmlns:a="http://schemas.openxmlformats.org/drawingml/2006/main" xmlns:r="http://schemas.openxmlformats.org/officeDocument/2006/relationships" xmlns:p="http://schemas.openxmlformats.org/presentationml/2006/main">
   <p:cSld>
     <p:spTree>

--- a/FACIA-Presentation.pptx
+++ b/FACIA-Presentation.pptx
@@ -203,7 +203,7 @@
           <a:p>
             <a:fld id="{5960E34B-F5C8-1548-B202-64A8C05AD27A}" type="datetimeFigureOut">
               <a:rPr lang="en-US" smtClean="0"/>
-              <a:t>5/10/20</a:t>
+              <a:t>5/12/2020</a:t>
             </a:fld>
             <a:endParaRPr lang="en-US"/>
           </a:p>
@@ -1205,7 +1205,7 @@
           <a:p>
             <a:fld id="{7270E19F-C401-C048-81A2-7C1C6E873FB6}" type="datetimeFigureOut">
               <a:rPr lang="en-US" smtClean="0"/>
-              <a:t>5/10/20</a:t>
+              <a:t>5/12/2020</a:t>
             </a:fld>
             <a:endParaRPr lang="en-US"/>
           </a:p>
@@ -1403,7 +1403,7 @@
           <a:p>
             <a:fld id="{7270E19F-C401-C048-81A2-7C1C6E873FB6}" type="datetimeFigureOut">
               <a:rPr lang="en-US" smtClean="0"/>
-              <a:t>5/10/20</a:t>
+              <a:t>5/12/2020</a:t>
             </a:fld>
             <a:endParaRPr lang="en-US"/>
           </a:p>
@@ -1611,7 +1611,7 @@
           <a:p>
             <a:fld id="{7270E19F-C401-C048-81A2-7C1C6E873FB6}" type="datetimeFigureOut">
               <a:rPr lang="en-US" smtClean="0"/>
-              <a:t>5/10/20</a:t>
+              <a:t>5/12/2020</a:t>
             </a:fld>
             <a:endParaRPr lang="en-US"/>
           </a:p>
@@ -1809,7 +1809,7 @@
           <a:p>
             <a:fld id="{7270E19F-C401-C048-81A2-7C1C6E873FB6}" type="datetimeFigureOut">
               <a:rPr lang="en-US" smtClean="0"/>
-              <a:t>5/10/20</a:t>
+              <a:t>5/12/2020</a:t>
             </a:fld>
             <a:endParaRPr lang="en-US"/>
           </a:p>
@@ -2084,7 +2084,7 @@
           <a:p>
             <a:fld id="{7270E19F-C401-C048-81A2-7C1C6E873FB6}" type="datetimeFigureOut">
               <a:rPr lang="en-US" smtClean="0"/>
-              <a:t>5/10/20</a:t>
+              <a:t>5/12/2020</a:t>
             </a:fld>
             <a:endParaRPr lang="en-US"/>
           </a:p>
@@ -2349,7 +2349,7 @@
           <a:p>
             <a:fld id="{7270E19F-C401-C048-81A2-7C1C6E873FB6}" type="datetimeFigureOut">
               <a:rPr lang="en-US" smtClean="0"/>
-              <a:t>5/10/20</a:t>
+              <a:t>5/12/2020</a:t>
             </a:fld>
             <a:endParaRPr lang="en-US"/>
           </a:p>
@@ -2761,7 +2761,7 @@
           <a:p>
             <a:fld id="{7270E19F-C401-C048-81A2-7C1C6E873FB6}" type="datetimeFigureOut">
               <a:rPr lang="en-US" smtClean="0"/>
-              <a:t>5/10/20</a:t>
+              <a:t>5/12/2020</a:t>
             </a:fld>
             <a:endParaRPr lang="en-US"/>
           </a:p>
@@ -2902,7 +2902,7 @@
           <a:p>
             <a:fld id="{7270E19F-C401-C048-81A2-7C1C6E873FB6}" type="datetimeFigureOut">
               <a:rPr lang="en-US" smtClean="0"/>
-              <a:t>5/10/20</a:t>
+              <a:t>5/12/2020</a:t>
             </a:fld>
             <a:endParaRPr lang="en-US"/>
           </a:p>
@@ -3015,7 +3015,7 @@
           <a:p>
             <a:fld id="{7270E19F-C401-C048-81A2-7C1C6E873FB6}" type="datetimeFigureOut">
               <a:rPr lang="en-US" smtClean="0"/>
-              <a:t>5/10/20</a:t>
+              <a:t>5/12/2020</a:t>
             </a:fld>
             <a:endParaRPr lang="en-US"/>
           </a:p>
@@ -3326,7 +3326,7 @@
           <a:p>
             <a:fld id="{7270E19F-C401-C048-81A2-7C1C6E873FB6}" type="datetimeFigureOut">
               <a:rPr lang="en-US" smtClean="0"/>
-              <a:t>5/10/20</a:t>
+              <a:t>5/12/2020</a:t>
             </a:fld>
             <a:endParaRPr lang="en-US"/>
           </a:p>
@@ -3614,7 +3614,7 @@
           <a:p>
             <a:fld id="{7270E19F-C401-C048-81A2-7C1C6E873FB6}" type="datetimeFigureOut">
               <a:rPr lang="en-US" smtClean="0"/>
-              <a:t>5/10/20</a:t>
+              <a:t>5/12/2020</a:t>
             </a:fld>
             <a:endParaRPr lang="en-US"/>
           </a:p>
@@ -3858,7 +3858,7 @@
           <a:p>
             <a:fld id="{7270E19F-C401-C048-81A2-7C1C6E873FB6}" type="datetimeFigureOut">
               <a:rPr lang="en-US" smtClean="0"/>
-              <a:t>5/10/20</a:t>
+              <a:t>5/12/2020</a:t>
             </a:fld>
             <a:endParaRPr lang="en-US"/>
           </a:p>
@@ -4360,7 +4360,7 @@
         </p:spPr>
         <p:txBody>
           <a:bodyPr vert="horz" lIns="91440" tIns="45720" rIns="91440" bIns="45720" rtlCol="0">
-            <a:normAutofit lnSpcReduction="10000"/>
+            <a:normAutofit/>
           </a:bodyPr>
           <a:lstStyle>
             <a:lvl1pPr marL="0" indent="0" algn="ctr" defTabSz="914400" rtl="0" eaLnBrk="1" latinLnBrk="0" hangingPunct="1">
@@ -4943,7 +4943,7 @@
                 </a:solidFill>
                 <a:latin typeface="Helvetica" pitchFamily="2" charset="0"/>
               </a:rPr>
-              <a:t>FACIA is an app that is an all in one financial aid. It can have various features such as: An Expense tracker that can dynamically analyze future expense needs and costs. Some sub features would include a tip calculator, a tax calculator, and more.</a:t>
+              <a:t>FACIA™ is an app that is an all in one financial aid. It can have various features such as: An expense tracker that can dynamically analyze future expense needs and costs. Some sub-features would include a tip calculator, a tax calculator, and more.</a:t>
             </a:r>
           </a:p>
           <a:p>
@@ -5029,7 +5029,7 @@
                 </a:solidFill>
                 <a:latin typeface="Helvetica" pitchFamily="2" charset="0"/>
               </a:rPr>
-              <a:t>Currency Converter</a:t>
+              <a:t>Tax Calculator</a:t>
             </a:r>
           </a:p>
           <a:p>
@@ -5638,7 +5638,7 @@
         </p:spPr>
         <p:txBody>
           <a:bodyPr vert="horz" lIns="91440" tIns="45720" rIns="91440" bIns="45720" rtlCol="0">
-            <a:normAutofit/>
+            <a:normAutofit fontScale="92500" lnSpcReduction="10000"/>
           </a:bodyPr>
           <a:lstStyle>
             <a:lvl1pPr marL="228600" indent="-228600" algn="l" defTabSz="914400" rtl="0" eaLnBrk="1" latinLnBrk="0" hangingPunct="1">
@@ -5816,7 +5816,7 @@
                 </a:solidFill>
                 <a:latin typeface="Helvetica" pitchFamily="2" charset="0"/>
               </a:rPr>
-              <a:t>FACIA Web App Utilizes:</a:t>
+              <a:t>FACIA™ Web App Utilizes:</a:t>
             </a:r>
             <a:endParaRPr lang="en-US" sz="2400" dirty="0">
               <a:solidFill>
@@ -5930,13 +5930,10 @@
                 </a:highlight>
                 <a:latin typeface="Helvetica" pitchFamily="2" charset="0"/>
               </a:rPr>
-              <a:t>Incorporates at least one new library, package, or technology that we haven’t discussed</a:t>
-            </a:r>
-          </a:p>
-          <a:p>
-            <a:pPr fontAlgn="base"/>
-            <a:r>
-              <a:rPr lang="en-US" sz="2400" dirty="0">
+              <a:t>Incorporates at least one new library, package, or technology that we haven’t discussed (currency converter </a:t>
+            </a:r>
+            <a:r>
+              <a:rPr lang="en-US" sz="2400" dirty="0" err="1">
                 <a:solidFill>
                   <a:schemeClr val="bg1"/>
                 </a:solidFill>
@@ -5945,7 +5942,75 @@
                 </a:highlight>
                 <a:latin typeface="Helvetica" pitchFamily="2" charset="0"/>
               </a:rPr>
-              <a:t>APIs</a:t>
+              <a:t>npm</a:t>
+            </a:r>
+            <a:r>
+              <a:rPr lang="en-US" sz="2400" dirty="0">
+                <a:solidFill>
+                  <a:schemeClr val="bg1"/>
+                </a:solidFill>
+                <a:highlight>
+                  <a:srgbClr val="C3AB49"/>
+                </a:highlight>
+                <a:latin typeface="Helvetica" pitchFamily="2" charset="0"/>
+              </a:rPr>
+              <a:t> package)</a:t>
+            </a:r>
+          </a:p>
+          <a:p>
+            <a:pPr fontAlgn="base"/>
+            <a:r>
+              <a:rPr lang="en-US" sz="2400" dirty="0">
+                <a:solidFill>
+                  <a:schemeClr val="bg1"/>
+                </a:solidFill>
+                <a:latin typeface="Helvetica" pitchFamily="2" charset="0"/>
+              </a:rPr>
+              <a:t>Polygon Stock API</a:t>
+            </a:r>
+          </a:p>
+          <a:p>
+            <a:pPr marL="685800" lvl="2" fontAlgn="base">
+              <a:spcBef>
+                <a:spcPts val="1000"/>
+              </a:spcBef>
+            </a:pPr>
+            <a:r>
+              <a:rPr lang="en-US" dirty="0">
+                <a:solidFill>
+                  <a:schemeClr val="bg1"/>
+                </a:solidFill>
+                <a:latin typeface="Helvetica" pitchFamily="2" charset="0"/>
+                <a:hlinkClick r:id="rId3">
+                  <a:extLst>
+                    <a:ext uri="{A12FA001-AC4F-418D-AE19-62706E023703}">
+                      <ahyp:hlinkClr xmlns:ahyp="http://schemas.microsoft.com/office/drawing/2018/hyperlinkcolor" val="tx"/>
+                    </a:ext>
+                  </a:extLst>
+                </a:hlinkClick>
+              </a:rPr>
+              <a:t>https://polygon.io/</a:t>
+            </a:r>
+            <a:endParaRPr lang="en-US" dirty="0">
+              <a:solidFill>
+                <a:schemeClr val="bg1"/>
+              </a:solidFill>
+              <a:latin typeface="Helvetica" pitchFamily="2" charset="0"/>
+            </a:endParaRPr>
+          </a:p>
+          <a:p>
+            <a:pPr fontAlgn="base"/>
+            <a:r>
+              <a:rPr lang="en-US" sz="2400" dirty="0">
+                <a:solidFill>
+                  <a:schemeClr val="bg1"/>
+                </a:solidFill>
+                <a:highlight>
+                  <a:srgbClr val="C3AB49"/>
+                </a:highlight>
+                <a:latin typeface="Helvetica" pitchFamily="2" charset="0"/>
+              </a:rPr>
+              <a:t>--- Tax API</a:t>
             </a:r>
           </a:p>
           <a:p>
@@ -6123,7 +6188,7 @@
           <p:nvPr/>
         </p:nvPicPr>
         <p:blipFill>
-          <a:blip r:embed="rId3"/>
+          <a:blip r:embed="rId4"/>
           <a:stretch>
             <a:fillRect/>
           </a:stretch>
@@ -6491,7 +6556,7 @@
                 </a:solidFill>
                 <a:latin typeface="Helvetica" pitchFamily="2" charset="0"/>
               </a:rPr>
-              <a:t>Issues getting Rapid API to work, so went straight to the source</a:t>
+              <a:t>Wanting to contribute but not wanting to step on anyone’s toes or mess up anyone’s code</a:t>
             </a:r>
           </a:p>
           <a:p>
@@ -6507,7 +6572,7 @@
                 </a:solidFill>
                 <a:latin typeface="Helvetica" pitchFamily="2" charset="0"/>
               </a:rPr>
-              <a:t>Wanting to contribute but not wanting to step on anyone’s toes or mess up anyone’s code</a:t>
+              <a:t>Working off of starter code as opposed to writing code from scratch</a:t>
             </a:r>
           </a:p>
           <a:p>
@@ -6523,7 +6588,7 @@
                 </a:solidFill>
                 <a:latin typeface="Helvetica" pitchFamily="2" charset="0"/>
               </a:rPr>
-              <a:t>We all prefer working alone so adjusting to working in a group, especially virtually, was a new but welcomed challenge </a:t>
+              <a:t>Getting all of the files to work together cohesively</a:t>
             </a:r>
           </a:p>
           <a:p>
@@ -6539,7 +6604,7 @@
                 </a:solidFill>
                 <a:latin typeface="Helvetica" pitchFamily="2" charset="0"/>
               </a:rPr>
-              <a:t>Getting used to the process of pushing/pulling to GitHub in a collaboration</a:t>
+              <a:t>The process of pushing/pulling to GitHub in a collaboration</a:t>
             </a:r>
             <a:br>
               <a:rPr lang="en-US" sz="2000" dirty="0">
@@ -6818,7 +6883,7 @@
                 </a:solidFill>
                 <a:latin typeface="Helvetica" pitchFamily="2" charset="0"/>
               </a:rPr>
-              <a:t>Recreating restaurant foods</a:t>
+              <a:t>Currency Converter</a:t>
             </a:r>
           </a:p>
           <a:p>
@@ -6837,7 +6902,7 @@
                 </a:solidFill>
                 <a:latin typeface="Helvetica" pitchFamily="2" charset="0"/>
               </a:rPr>
-              <a:t>1-5 Star Ratings </a:t>
+              <a:t>Built-In Investment Portfolio</a:t>
             </a:r>
           </a:p>
           <a:p>
@@ -6856,45 +6921,7 @@
                 </a:solidFill>
                 <a:latin typeface="Helvetica" pitchFamily="2" charset="0"/>
               </a:rPr>
-              <a:t>Food Trivia </a:t>
-            </a:r>
-          </a:p>
-          <a:p>
-            <a:pPr fontAlgn="base">
-              <a:lnSpc>
-                <a:spcPct val="150000"/>
-              </a:lnSpc>
-              <a:spcBef>
-                <a:spcPts val="0"/>
-              </a:spcBef>
-            </a:pPr>
-            <a:r>
-              <a:rPr lang="en-US" sz="2000" dirty="0">
-                <a:solidFill>
-                  <a:schemeClr val="bg1"/>
-                </a:solidFill>
-                <a:latin typeface="Helvetica" pitchFamily="2" charset="0"/>
-              </a:rPr>
-              <a:t>Food Jokes</a:t>
-            </a:r>
-          </a:p>
-          <a:p>
-            <a:pPr fontAlgn="base">
-              <a:lnSpc>
-                <a:spcPct val="150000"/>
-              </a:lnSpc>
-              <a:spcBef>
-                <a:spcPts val="0"/>
-              </a:spcBef>
-            </a:pPr>
-            <a:r>
-              <a:rPr lang="en-US" sz="2000" dirty="0">
-                <a:solidFill>
-                  <a:schemeClr val="bg1"/>
-                </a:solidFill>
-                <a:latin typeface="Helvetica" pitchFamily="2" charset="0"/>
-              </a:rPr>
-              <a:t>Wine Pairings</a:t>
+              <a:t>Expense Tracker &amp; Graphs</a:t>
             </a:r>
             <a:endParaRPr lang="en-US" sz="2400" dirty="0">
               <a:solidFill>

--- a/FACIA-Presentation.pptx
+++ b/FACIA-Presentation.pptx
@@ -203,7 +203,7 @@
           <a:p>
             <a:fld id="{5960E34B-F5C8-1548-B202-64A8C05AD27A}" type="datetimeFigureOut">
               <a:rPr lang="en-US" smtClean="0"/>
-              <a:t>5/12/2020</a:t>
+              <a:t>5/15/20</a:t>
             </a:fld>
             <a:endParaRPr lang="en-US"/>
           </a:p>
@@ -1205,7 +1205,7 @@
           <a:p>
             <a:fld id="{7270E19F-C401-C048-81A2-7C1C6E873FB6}" type="datetimeFigureOut">
               <a:rPr lang="en-US" smtClean="0"/>
-              <a:t>5/12/2020</a:t>
+              <a:t>5/15/20</a:t>
             </a:fld>
             <a:endParaRPr lang="en-US"/>
           </a:p>
@@ -1403,7 +1403,7 @@
           <a:p>
             <a:fld id="{7270E19F-C401-C048-81A2-7C1C6E873FB6}" type="datetimeFigureOut">
               <a:rPr lang="en-US" smtClean="0"/>
-              <a:t>5/12/2020</a:t>
+              <a:t>5/15/20</a:t>
             </a:fld>
             <a:endParaRPr lang="en-US"/>
           </a:p>
@@ -1611,7 +1611,7 @@
           <a:p>
             <a:fld id="{7270E19F-C401-C048-81A2-7C1C6E873FB6}" type="datetimeFigureOut">
               <a:rPr lang="en-US" smtClean="0"/>
-              <a:t>5/12/2020</a:t>
+              <a:t>5/15/20</a:t>
             </a:fld>
             <a:endParaRPr lang="en-US"/>
           </a:p>
@@ -1809,7 +1809,7 @@
           <a:p>
             <a:fld id="{7270E19F-C401-C048-81A2-7C1C6E873FB6}" type="datetimeFigureOut">
               <a:rPr lang="en-US" smtClean="0"/>
-              <a:t>5/12/2020</a:t>
+              <a:t>5/15/20</a:t>
             </a:fld>
             <a:endParaRPr lang="en-US"/>
           </a:p>
@@ -2084,7 +2084,7 @@
           <a:p>
             <a:fld id="{7270E19F-C401-C048-81A2-7C1C6E873FB6}" type="datetimeFigureOut">
               <a:rPr lang="en-US" smtClean="0"/>
-              <a:t>5/12/2020</a:t>
+              <a:t>5/15/20</a:t>
             </a:fld>
             <a:endParaRPr lang="en-US"/>
           </a:p>
@@ -2349,7 +2349,7 @@
           <a:p>
             <a:fld id="{7270E19F-C401-C048-81A2-7C1C6E873FB6}" type="datetimeFigureOut">
               <a:rPr lang="en-US" smtClean="0"/>
-              <a:t>5/12/2020</a:t>
+              <a:t>5/15/20</a:t>
             </a:fld>
             <a:endParaRPr lang="en-US"/>
           </a:p>
@@ -2761,7 +2761,7 @@
           <a:p>
             <a:fld id="{7270E19F-C401-C048-81A2-7C1C6E873FB6}" type="datetimeFigureOut">
               <a:rPr lang="en-US" smtClean="0"/>
-              <a:t>5/12/2020</a:t>
+              <a:t>5/15/20</a:t>
             </a:fld>
             <a:endParaRPr lang="en-US"/>
           </a:p>
@@ -2902,7 +2902,7 @@
           <a:p>
             <a:fld id="{7270E19F-C401-C048-81A2-7C1C6E873FB6}" type="datetimeFigureOut">
               <a:rPr lang="en-US" smtClean="0"/>
-              <a:t>5/12/2020</a:t>
+              <a:t>5/15/20</a:t>
             </a:fld>
             <a:endParaRPr lang="en-US"/>
           </a:p>
@@ -3015,7 +3015,7 @@
           <a:p>
             <a:fld id="{7270E19F-C401-C048-81A2-7C1C6E873FB6}" type="datetimeFigureOut">
               <a:rPr lang="en-US" smtClean="0"/>
-              <a:t>5/12/2020</a:t>
+              <a:t>5/15/20</a:t>
             </a:fld>
             <a:endParaRPr lang="en-US"/>
           </a:p>
@@ -3326,7 +3326,7 @@
           <a:p>
             <a:fld id="{7270E19F-C401-C048-81A2-7C1C6E873FB6}" type="datetimeFigureOut">
               <a:rPr lang="en-US" smtClean="0"/>
-              <a:t>5/12/2020</a:t>
+              <a:t>5/15/20</a:t>
             </a:fld>
             <a:endParaRPr lang="en-US"/>
           </a:p>
@@ -3614,7 +3614,7 @@
           <a:p>
             <a:fld id="{7270E19F-C401-C048-81A2-7C1C6E873FB6}" type="datetimeFigureOut">
               <a:rPr lang="en-US" smtClean="0"/>
-              <a:t>5/12/2020</a:t>
+              <a:t>5/15/20</a:t>
             </a:fld>
             <a:endParaRPr lang="en-US"/>
           </a:p>
@@ -3858,7 +3858,7 @@
           <a:p>
             <a:fld id="{7270E19F-C401-C048-81A2-7C1C6E873FB6}" type="datetimeFigureOut">
               <a:rPr lang="en-US" smtClean="0"/>
-              <a:t>5/12/2020</a:t>
+              <a:t>5/15/20</a:t>
             </a:fld>
             <a:endParaRPr lang="en-US"/>
           </a:p>
@@ -4360,7 +4360,7 @@
         </p:spPr>
         <p:txBody>
           <a:bodyPr vert="horz" lIns="91440" tIns="45720" rIns="91440" bIns="45720" rtlCol="0">
-            <a:normAutofit/>
+            <a:normAutofit lnSpcReduction="10000"/>
           </a:bodyPr>
           <a:lstStyle>
             <a:lvl1pPr marL="0" indent="0" algn="ctr" defTabSz="914400" rtl="0" eaLnBrk="1" latinLnBrk="0" hangingPunct="1">
@@ -4929,7 +4929,7 @@
         </p:spPr>
         <p:txBody>
           <a:bodyPr>
-            <a:normAutofit lnSpcReduction="10000"/>
+            <a:normAutofit fontScale="92500" lnSpcReduction="10000"/>
           </a:bodyPr>
           <a:lstStyle/>
           <a:p>
@@ -4937,22 +4937,22 @@
               <a:buNone/>
             </a:pPr>
             <a:r>
-              <a:rPr lang="en-US" sz="2400" dirty="0">
+              <a:rPr lang="en-US" sz="2600" dirty="0">
                 <a:solidFill>
                   <a:schemeClr val="bg1"/>
                 </a:solidFill>
                 <a:latin typeface="Helvetica" pitchFamily="2" charset="0"/>
               </a:rPr>
-              <a:t>FACIA™ is an app that is an all in one financial aid. It can have various features such as: An expense tracker that can dynamically analyze future expense needs and costs. Some sub-features would include a tip calculator, a tax calculator, and more.</a:t>
+              <a:t>FACIA™ is all-in-one financial aid app.  It provides a personal budgeting snapshot into one’s expenses and features handy calculators and a currency converter.</a:t>
             </a:r>
           </a:p>
           <a:p>
             <a:pPr marL="0" indent="0">
               <a:buNone/>
             </a:pPr>
-            <a:endParaRPr lang="en-US" sz="2400" dirty="0">
+            <a:endParaRPr lang="en-US" sz="2400" b="1" dirty="0">
               <a:solidFill>
-                <a:schemeClr val="bg1"/>
+                <a:srgbClr val="C3AB49"/>
               </a:solidFill>
               <a:latin typeface="Helvetica" pitchFamily="2" charset="0"/>
             </a:endParaRPr>
@@ -5040,7 +5040,18 @@
                 </a:solidFill>
                 <a:latin typeface="Helvetica" pitchFamily="2" charset="0"/>
               </a:rPr>
-              <a:t>Stocks</a:t>
+              <a:t>Currency Converter</a:t>
+            </a:r>
+          </a:p>
+          <a:p>
+            <a:r>
+              <a:rPr lang="en-US" sz="2400" dirty="0">
+                <a:solidFill>
+                  <a:schemeClr val="bg1"/>
+                </a:solidFill>
+                <a:latin typeface="Helvetica" pitchFamily="2" charset="0"/>
+              </a:rPr>
+              <a:t>Financial News Results</a:t>
             </a:r>
           </a:p>
         </p:txBody>
@@ -5275,7 +5286,7 @@
         </p:spPr>
         <p:txBody>
           <a:bodyPr>
-            <a:normAutofit/>
+            <a:normAutofit lnSpcReduction="10000"/>
           </a:bodyPr>
           <a:lstStyle/>
           <a:p>
@@ -5297,7 +5308,7 @@
               <a:buNone/>
             </a:pPr>
             <a:r>
-              <a:rPr lang="en-US" sz="2400" dirty="0">
+              <a:rPr lang="en-US" sz="2400" b="1" dirty="0">
                 <a:solidFill>
                   <a:schemeClr val="bg1"/>
                 </a:solidFill>
@@ -5340,6 +5351,30 @@
                 <a:latin typeface="Helvetica" pitchFamily="2" charset="0"/>
               </a:rPr>
               <a:t>General design</a:t>
+            </a:r>
+          </a:p>
+          <a:p>
+            <a:pPr lvl="1"/>
+            <a:r>
+              <a:rPr lang="en-US" sz="2000" dirty="0">
+                <a:solidFill>
+                  <a:schemeClr val="bg1"/>
+                </a:solidFill>
+                <a:latin typeface="Helvetica" pitchFamily="2" charset="0"/>
+              </a:rPr>
+              <a:t>Currency Converter</a:t>
+            </a:r>
+          </a:p>
+          <a:p>
+            <a:pPr lvl="1"/>
+            <a:r>
+              <a:rPr lang="en-US" sz="2000" dirty="0">
+                <a:solidFill>
+                  <a:schemeClr val="bg1"/>
+                </a:solidFill>
+                <a:latin typeface="Helvetica" pitchFamily="2" charset="0"/>
+              </a:rPr>
+              <a:t>Presentation</a:t>
             </a:r>
           </a:p>
           <a:p>
@@ -5372,7 +5407,7 @@
               <a:buNone/>
             </a:pPr>
             <a:r>
-              <a:rPr lang="en-US" sz="2400" dirty="0">
+              <a:rPr lang="en-US" sz="2400" b="1" dirty="0">
                 <a:solidFill>
                   <a:schemeClr val="bg1"/>
                 </a:solidFill>
@@ -5638,7 +5673,7 @@
         </p:spPr>
         <p:txBody>
           <a:bodyPr vert="horz" lIns="91440" tIns="45720" rIns="91440" bIns="45720" rtlCol="0">
-            <a:normAutofit fontScale="92500" lnSpcReduction="10000"/>
+            <a:normAutofit/>
           </a:bodyPr>
           <a:lstStyle>
             <a:lvl1pPr marL="228600" indent="-228600" algn="l" defTabSz="914400" rtl="0" eaLnBrk="1" latinLnBrk="0" hangingPunct="1">
@@ -5828,7 +5863,7 @@
           <a:p>
             <a:pPr fontAlgn="base"/>
             <a:r>
-              <a:rPr lang="en-US" sz="2400" dirty="0">
+              <a:rPr lang="en-US" sz="2200" dirty="0">
                 <a:solidFill>
                   <a:schemeClr val="bg1"/>
                 </a:solidFill>
@@ -5840,7 +5875,7 @@
           <a:p>
             <a:pPr fontAlgn="base"/>
             <a:r>
-              <a:rPr lang="en-US" sz="2400" dirty="0">
+              <a:rPr lang="en-US" sz="2200" dirty="0">
                 <a:solidFill>
                   <a:schemeClr val="bg1"/>
                 </a:solidFill>
@@ -5849,7 +5884,7 @@
               <a:t>MySQL Database with a </a:t>
             </a:r>
             <a:r>
-              <a:rPr lang="en-US" sz="2400" dirty="0" err="1">
+              <a:rPr lang="en-US" sz="2200" dirty="0" err="1">
                 <a:solidFill>
                   <a:schemeClr val="bg1"/>
                 </a:solidFill>
@@ -5858,7 +5893,7 @@
               <a:t>Sequelize</a:t>
             </a:r>
             <a:r>
-              <a:rPr lang="en-US" sz="2400" dirty="0">
+              <a:rPr lang="en-US" sz="2200" dirty="0">
                 <a:solidFill>
                   <a:schemeClr val="bg1"/>
                 </a:solidFill>
@@ -5870,7 +5905,7 @@
           <a:p>
             <a:pPr fontAlgn="base"/>
             <a:r>
-              <a:rPr lang="en-US" sz="2400" dirty="0">
+              <a:rPr lang="en-US" sz="2200" dirty="0">
                 <a:solidFill>
                   <a:schemeClr val="bg1"/>
                 </a:solidFill>
@@ -5882,36 +5917,24 @@
           <a:p>
             <a:pPr fontAlgn="base"/>
             <a:r>
-              <a:rPr lang="en-US" sz="2400" dirty="0">
+              <a:rPr lang="en-US" sz="2200" dirty="0">
                 <a:solidFill>
                   <a:schemeClr val="bg1"/>
                 </a:solidFill>
                 <a:latin typeface="Helvetica" pitchFamily="2" charset="0"/>
               </a:rPr>
-              <a:t>Heroku (with data, for deployment)</a:t>
-            </a:r>
-          </a:p>
-          <a:p>
-            <a:pPr fontAlgn="base"/>
-            <a:r>
-              <a:rPr lang="en-US" sz="2400" dirty="0">
+              <a:t>Heroku (with data, for deployment) and </a:t>
+            </a:r>
+            <a:r>
+              <a:rPr lang="en-US" sz="2200" dirty="0" err="1">
                 <a:solidFill>
                   <a:schemeClr val="bg1"/>
                 </a:solidFill>
                 <a:latin typeface="Helvetica" pitchFamily="2" charset="0"/>
               </a:rPr>
-              <a:t>Travis CI and </a:t>
-            </a:r>
-            <a:r>
-              <a:rPr lang="en-US" sz="2400" dirty="0" err="1">
-                <a:solidFill>
-                  <a:schemeClr val="bg1"/>
-                </a:solidFill>
-                <a:latin typeface="Helvetica" pitchFamily="2" charset="0"/>
-              </a:rPr>
-              <a:t>ESLint</a:t>
-            </a:r>
-            <a:endParaRPr lang="en-US" sz="2400" dirty="0">
+              <a:t>JAWSdb</a:t>
+            </a:r>
+            <a:endParaRPr lang="en-US" sz="2200" dirty="0">
               <a:solidFill>
                 <a:schemeClr val="bg1"/>
               </a:solidFill>
@@ -5921,62 +5944,43 @@
           <a:p>
             <a:pPr fontAlgn="base"/>
             <a:r>
-              <a:rPr lang="en-US" sz="2400" dirty="0">
+              <a:rPr lang="en-US" sz="2200" dirty="0">
                 <a:solidFill>
                   <a:schemeClr val="bg1"/>
                 </a:solidFill>
-                <a:highlight>
-                  <a:srgbClr val="C3AB49"/>
-                </a:highlight>
                 <a:latin typeface="Helvetica" pitchFamily="2" charset="0"/>
               </a:rPr>
-              <a:t>Incorporates at least one new library, package, or technology that we haven’t discussed (currency converter </a:t>
-            </a:r>
-            <a:r>
-              <a:rPr lang="en-US" sz="2400" dirty="0" err="1">
+              <a:t>Travis CI and </a:t>
+            </a:r>
+            <a:r>
+              <a:rPr lang="en-US" sz="2200" dirty="0" err="1">
                 <a:solidFill>
                   <a:schemeClr val="bg1"/>
                 </a:solidFill>
-                <a:highlight>
-                  <a:srgbClr val="C3AB49"/>
-                </a:highlight>
                 <a:latin typeface="Helvetica" pitchFamily="2" charset="0"/>
               </a:rPr>
-              <a:t>npm</a:t>
-            </a:r>
-            <a:r>
-              <a:rPr lang="en-US" sz="2400" dirty="0">
+              <a:t>ESLint</a:t>
+            </a:r>
+            <a:endParaRPr lang="en-US" sz="2200" dirty="0">
+              <a:solidFill>
+                <a:schemeClr val="bg1"/>
+              </a:solidFill>
+              <a:latin typeface="Helvetica" pitchFamily="2" charset="0"/>
+            </a:endParaRPr>
+          </a:p>
+          <a:p>
+            <a:pPr fontAlgn="base"/>
+            <a:r>
+              <a:rPr lang="en-US" sz="2200" dirty="0">
                 <a:solidFill>
                   <a:schemeClr val="bg1"/>
                 </a:solidFill>
-                <a:highlight>
-                  <a:srgbClr val="C3AB49"/>
-                </a:highlight>
                 <a:latin typeface="Helvetica" pitchFamily="2" charset="0"/>
               </a:rPr>
-              <a:t> package)</a:t>
-            </a:r>
-          </a:p>
-          <a:p>
-            <a:pPr fontAlgn="base"/>
-            <a:r>
-              <a:rPr lang="en-US" sz="2400" dirty="0">
-                <a:solidFill>
-                  <a:schemeClr val="bg1"/>
-                </a:solidFill>
-                <a:latin typeface="Helvetica" pitchFamily="2" charset="0"/>
-              </a:rPr>
-              <a:t>Polygon Stock API</a:t>
-            </a:r>
-          </a:p>
-          <a:p>
-            <a:pPr marL="685800" lvl="2" fontAlgn="base">
-              <a:spcBef>
-                <a:spcPts val="1000"/>
-              </a:spcBef>
-            </a:pPr>
-            <a:r>
-              <a:rPr lang="en-US" dirty="0">
+              <a:t>A currency converter widget from </a:t>
+            </a:r>
+            <a:r>
+              <a:rPr lang="en-US" sz="2200" dirty="0">
                 <a:solidFill>
                   <a:schemeClr val="bg1"/>
                 </a:solidFill>
@@ -5989,9 +5993,46 @@
                   </a:extLst>
                 </a:hlinkClick>
               </a:rPr>
+              <a:t>https://currencyrate.today</a:t>
+            </a:r>
+            <a:r>
+              <a:rPr lang="en-US" sz="2200" dirty="0">
+                <a:solidFill>
+                  <a:schemeClr val="bg1"/>
+                </a:solidFill>
+                <a:latin typeface="Helvetica" pitchFamily="2" charset="0"/>
+              </a:rPr>
+              <a:t>	</a:t>
+            </a:r>
+          </a:p>
+          <a:p>
+            <a:pPr fontAlgn="base"/>
+            <a:r>
+              <a:rPr lang="en-US" sz="2200" dirty="0">
+                <a:solidFill>
+                  <a:schemeClr val="bg1"/>
+                </a:solidFill>
+                <a:latin typeface="Helvetica" pitchFamily="2" charset="0"/>
+              </a:rPr>
+              <a:t>Polygon Stock API from </a:t>
+            </a:r>
+            <a:r>
+              <a:rPr lang="en-US" sz="2200" dirty="0">
+                <a:solidFill>
+                  <a:schemeClr val="bg1"/>
+                </a:solidFill>
+                <a:latin typeface="Helvetica" pitchFamily="2" charset="0"/>
+                <a:hlinkClick r:id="rId4">
+                  <a:extLst>
+                    <a:ext uri="{A12FA001-AC4F-418D-AE19-62706E023703}">
+                      <ahyp:hlinkClr xmlns:ahyp="http://schemas.microsoft.com/office/drawing/2018/hyperlinkcolor" val="tx"/>
+                    </a:ext>
+                  </a:extLst>
+                </a:hlinkClick>
+              </a:rPr>
               <a:t>https://polygon.io/</a:t>
             </a:r>
-            <a:endParaRPr lang="en-US" dirty="0">
+            <a:endParaRPr lang="en-US" sz="2200" dirty="0">
               <a:solidFill>
                 <a:schemeClr val="bg1"/>
               </a:solidFill>
@@ -6001,22 +6042,7 @@
           <a:p>
             <a:pPr fontAlgn="base"/>
             <a:r>
-              <a:rPr lang="en-US" sz="2400" dirty="0">
-                <a:solidFill>
-                  <a:schemeClr val="bg1"/>
-                </a:solidFill>
-                <a:highlight>
-                  <a:srgbClr val="C3AB49"/>
-                </a:highlight>
-                <a:latin typeface="Helvetica" pitchFamily="2" charset="0"/>
-              </a:rPr>
-              <a:t>--- Tax API</a:t>
-            </a:r>
-          </a:p>
-          <a:p>
-            <a:pPr fontAlgn="base"/>
-            <a:r>
-              <a:rPr lang="en-US" sz="2400" dirty="0">
+              <a:rPr lang="en-US" sz="2200" dirty="0">
                 <a:solidFill>
                   <a:schemeClr val="bg1"/>
                 </a:solidFill>
@@ -6188,7 +6214,7 @@
           <p:nvPr/>
         </p:nvPicPr>
         <p:blipFill>
-          <a:blip r:embed="rId4"/>
+          <a:blip r:embed="rId5"/>
           <a:stretch>
             <a:fillRect/>
           </a:stretch>
@@ -6411,10 +6437,11 @@
       </p:pic>
       <p:pic>
         <p:nvPicPr>
-          <p:cNvPr id="3" name="Picture 2">
-            <a:extLst>
-              <a:ext uri="{FF2B5EF4-FFF2-40B4-BE49-F238E27FC236}">
-                <a16:creationId xmlns:a16="http://schemas.microsoft.com/office/drawing/2014/main" id="{B11DA9A9-A44C-2F4A-A339-3AABBE0E94F3}"/>
+          <p:cNvPr id="4" name="Picture 3">
+            <a:hlinkClick r:id="rId4"/>
+            <a:extLst>
+              <a:ext uri="{FF2B5EF4-FFF2-40B4-BE49-F238E27FC236}">
+                <a16:creationId xmlns:a16="http://schemas.microsoft.com/office/drawing/2014/main" id="{71C1FF67-052F-6F4F-908D-7C1931160F40}"/>
               </a:ext>
             </a:extLst>
           </p:cNvPr>
@@ -6424,15 +6451,15 @@
           <p:nvPr/>
         </p:nvPicPr>
         <p:blipFill>
-          <a:blip r:embed="rId4"/>
+          <a:blip r:embed="rId5"/>
           <a:stretch>
             <a:fillRect/>
           </a:stretch>
         </p:blipFill>
         <p:spPr>
           <a:xfrm>
-            <a:off x="3067002" y="1220074"/>
-            <a:ext cx="6035962" cy="4840377"/>
+            <a:off x="5211535" y="5968386"/>
+            <a:ext cx="1768929" cy="495300"/>
           </a:xfrm>
           <a:prstGeom prst="rect">
             <a:avLst/>
@@ -6441,11 +6468,10 @@
       </p:pic>
       <p:pic>
         <p:nvPicPr>
-          <p:cNvPr id="4" name="Picture 3">
-            <a:hlinkClick r:id="rId5"/>
-            <a:extLst>
-              <a:ext uri="{FF2B5EF4-FFF2-40B4-BE49-F238E27FC236}">
-                <a16:creationId xmlns:a16="http://schemas.microsoft.com/office/drawing/2014/main" id="{71C1FF67-052F-6F4F-908D-7C1931160F40}"/>
+          <p:cNvPr id="10" name="Picture 9">
+            <a:extLst>
+              <a:ext uri="{FF2B5EF4-FFF2-40B4-BE49-F238E27FC236}">
+                <a16:creationId xmlns:a16="http://schemas.microsoft.com/office/drawing/2014/main" id="{6EC6F31B-6C77-F640-AAC3-F5BE870B4B60}"/>
               </a:ext>
             </a:extLst>
           </p:cNvPr>
@@ -6462,8 +6488,8 @@
         </p:blipFill>
         <p:spPr>
           <a:xfrm>
-            <a:off x="5211535" y="5968386"/>
-            <a:ext cx="1768929" cy="495300"/>
+            <a:off x="2712657" y="1242513"/>
+            <a:ext cx="6766683" cy="4852181"/>
           </a:xfrm>
           <a:prstGeom prst="rect">
             <a:avLst/>
@@ -6530,11 +6556,14 @@
           <a:p>
             <a:pPr fontAlgn="base">
               <a:lnSpc>
-                <a:spcPct val="150000"/>
+                <a:spcPct val="100000"/>
               </a:lnSpc>
+              <a:spcAft>
+                <a:spcPts val="1200"/>
+              </a:spcAft>
             </a:pPr>
             <a:r>
-              <a:rPr lang="en-US" sz="2000" dirty="0">
+              <a:rPr lang="en-US" sz="2200" dirty="0">
                 <a:solidFill>
                   <a:schemeClr val="bg1"/>
                 </a:solidFill>
@@ -6546,11 +6575,14 @@
           <a:p>
             <a:pPr fontAlgn="base">
               <a:lnSpc>
-                <a:spcPct val="150000"/>
+                <a:spcPct val="100000"/>
               </a:lnSpc>
+              <a:spcAft>
+                <a:spcPts val="1200"/>
+              </a:spcAft>
             </a:pPr>
             <a:r>
-              <a:rPr lang="en-US" sz="2000" dirty="0">
+              <a:rPr lang="en-US" sz="2200" dirty="0">
                 <a:solidFill>
                   <a:schemeClr val="bg1"/>
                 </a:solidFill>
@@ -6562,11 +6594,14 @@
           <a:p>
             <a:pPr fontAlgn="base">
               <a:lnSpc>
-                <a:spcPct val="150000"/>
+                <a:spcPct val="100000"/>
               </a:lnSpc>
+              <a:spcAft>
+                <a:spcPts val="1200"/>
+              </a:spcAft>
             </a:pPr>
             <a:r>
-              <a:rPr lang="en-US" sz="2000" dirty="0">
+              <a:rPr lang="en-US" sz="2200" dirty="0">
                 <a:solidFill>
                   <a:schemeClr val="bg1"/>
                 </a:solidFill>
@@ -6578,11 +6613,14 @@
           <a:p>
             <a:pPr fontAlgn="base">
               <a:lnSpc>
-                <a:spcPct val="150000"/>
+                <a:spcPct val="100000"/>
               </a:lnSpc>
+              <a:spcAft>
+                <a:spcPts val="1200"/>
+              </a:spcAft>
             </a:pPr>
             <a:r>
-              <a:rPr lang="en-US" sz="2000" dirty="0">
+              <a:rPr lang="en-US" sz="2200" dirty="0">
                 <a:solidFill>
                   <a:schemeClr val="bg1"/>
                 </a:solidFill>
@@ -6594,11 +6632,14 @@
           <a:p>
             <a:pPr fontAlgn="base">
               <a:lnSpc>
-                <a:spcPct val="150000"/>
+                <a:spcPct val="100000"/>
               </a:lnSpc>
+              <a:spcAft>
+                <a:spcPts val="1200"/>
+              </a:spcAft>
             </a:pPr>
             <a:r>
-              <a:rPr lang="en-US" sz="2000" dirty="0">
+              <a:rPr lang="en-US" sz="2200" dirty="0">
                 <a:solidFill>
                   <a:schemeClr val="bg1"/>
                 </a:solidFill>
@@ -6607,14 +6648,14 @@
               <a:t>The process of pushing/pulling to GitHub in a collaboration</a:t>
             </a:r>
             <a:br>
-              <a:rPr lang="en-US" sz="2000" dirty="0">
+              <a:rPr lang="en-US" sz="2200" dirty="0">
                 <a:solidFill>
                   <a:schemeClr val="bg1"/>
                 </a:solidFill>
                 <a:latin typeface="Helvetica" pitchFamily="2" charset="0"/>
               </a:rPr>
             </a:br>
-            <a:endParaRPr lang="en-US" sz="2400" dirty="0">
+            <a:endParaRPr lang="en-US" sz="2200" dirty="0">
               <a:solidFill>
                 <a:schemeClr val="bg1"/>
               </a:solidFill>
@@ -6861,29 +6902,13 @@
               <a:buNone/>
             </a:pPr>
             <a:r>
-              <a:rPr lang="en-US" b="1" dirty="0">
+              <a:rPr lang="en-US" sz="3400" b="1" dirty="0">
                 <a:solidFill>
                   <a:srgbClr val="C3AB49"/>
                 </a:solidFill>
                 <a:latin typeface="Helvetica" pitchFamily="2" charset="0"/>
               </a:rPr>
               <a:t>Additional Features to Add</a:t>
-            </a:r>
-          </a:p>
-          <a:p>
-            <a:pPr fontAlgn="base">
-              <a:lnSpc>
-                <a:spcPct val="150000"/>
-              </a:lnSpc>
-            </a:pPr>
-            <a:r>
-              <a:rPr lang="en-US" sz="2000" dirty="0">
-                <a:solidFill>
-                  <a:schemeClr val="bg1"/>
-                </a:solidFill>
-                <a:latin typeface="Helvetica" pitchFamily="2" charset="0"/>
-              </a:rPr>
-              <a:t>Currency Converter</a:t>
             </a:r>
           </a:p>
           <a:p>
@@ -6896,7 +6921,7 @@
               </a:spcBef>
             </a:pPr>
             <a:r>
-              <a:rPr lang="en-US" sz="2000" dirty="0">
+              <a:rPr lang="en-US" sz="3000" dirty="0">
                 <a:solidFill>
                   <a:schemeClr val="bg1"/>
                 </a:solidFill>
@@ -6915,7 +6940,7 @@
               </a:spcBef>
             </a:pPr>
             <a:r>
-              <a:rPr lang="en-US" sz="2000" dirty="0">
+              <a:rPr lang="en-US" sz="3000" dirty="0">
                 <a:solidFill>
                   <a:schemeClr val="bg1"/>
                 </a:solidFill>
@@ -6923,12 +6948,6 @@
               </a:rPr>
               <a:t>Expense Tracker &amp; Graphs</a:t>
             </a:r>
-            <a:endParaRPr lang="en-US" sz="2400" dirty="0">
-              <a:solidFill>
-                <a:schemeClr val="bg1"/>
-              </a:solidFill>
-              <a:latin typeface="Helvetica" pitchFamily="2" charset="0"/>
-            </a:endParaRPr>
           </a:p>
         </p:txBody>
       </p:sp>
